--- a/images/recursive/図素材.pptx
+++ b/images/recursive/図素材.pptx
@@ -236,7 +236,7 @@
           <a:p>
             <a:fld id="{C0D9501B-69D0-4000-9A67-A4069798CF04}" type="datetimeFigureOut">
               <a:rPr kumimoji="1" lang="ja-JP" altLang="en-US" smtClean="0"/>
-              <a:t>2021/5/31</a:t>
+              <a:t>2021/6/2</a:t>
             </a:fld>
             <a:endParaRPr kumimoji="1" lang="ja-JP" altLang="en-US"/>
           </a:p>
@@ -414,7 +414,7 @@
           <a:p>
             <a:fld id="{E1D20702-79C6-4D55-B0C7-6A4E995866BD}" type="datetimeFigureOut">
               <a:rPr kumimoji="1" lang="ja-JP" altLang="en-US" smtClean="0"/>
-              <a:t>2021/5/31</a:t>
+              <a:t>2021/6/2</a:t>
             </a:fld>
             <a:endParaRPr kumimoji="1" lang="ja-JP" altLang="en-US"/>
           </a:p>
@@ -7828,6 +7828,36 @@
       </p:grpSpPr>
       <p:pic>
         <p:nvPicPr>
+          <p:cNvPr id="6" name="図 5">
+            <a:extLst>
+              <a:ext uri="{FF2B5EF4-FFF2-40B4-BE49-F238E27FC236}">
+                <a16:creationId xmlns:a16="http://schemas.microsoft.com/office/drawing/2014/main" id="{52972082-2CCC-4BE5-BE22-54A344011369}"/>
+              </a:ext>
+            </a:extLst>
+          </p:cNvPr>
+          <p:cNvPicPr>
+            <a:picLocks noChangeAspect="1"/>
+          </p:cNvPicPr>
+          <p:nvPr/>
+        </p:nvPicPr>
+        <p:blipFill>
+          <a:blip r:embed="rId2"/>
+          <a:stretch>
+            <a:fillRect/>
+          </a:stretch>
+        </p:blipFill>
+        <p:spPr>
+          <a:xfrm>
+            <a:off x="494690" y="2687454"/>
+            <a:ext cx="5869982" cy="2272251"/>
+          </a:xfrm>
+          <a:prstGeom prst="rect">
+            <a:avLst/>
+          </a:prstGeom>
+        </p:spPr>
+      </p:pic>
+      <p:pic>
+        <p:nvPicPr>
           <p:cNvPr id="13" name="図 12">
             <a:extLst>
               <a:ext uri="{FF2B5EF4-FFF2-40B4-BE49-F238E27FC236}">
@@ -7841,7 +7871,7 @@
           <p:nvPr/>
         </p:nvPicPr>
         <p:blipFill rotWithShape="1">
-          <a:blip r:embed="rId2"/>
+          <a:blip r:embed="rId3"/>
           <a:srcRect t="2880"/>
           <a:stretch/>
         </p:blipFill>
@@ -7941,36 +7971,6 @@
       </p:sp>
       <p:pic>
         <p:nvPicPr>
-          <p:cNvPr id="8" name="図 7">
-            <a:extLst>
-              <a:ext uri="{FF2B5EF4-FFF2-40B4-BE49-F238E27FC236}">
-                <a16:creationId xmlns:a16="http://schemas.microsoft.com/office/drawing/2014/main" id="{82E89052-2848-4A6D-95E5-2C90CC8245A8}"/>
-              </a:ext>
-            </a:extLst>
-          </p:cNvPr>
-          <p:cNvPicPr>
-            <a:picLocks noChangeAspect="1"/>
-          </p:cNvPicPr>
-          <p:nvPr/>
-        </p:nvPicPr>
-        <p:blipFill>
-          <a:blip r:embed="rId3"/>
-          <a:stretch>
-            <a:fillRect/>
-          </a:stretch>
-        </p:blipFill>
-        <p:spPr>
-          <a:xfrm>
-            <a:off x="536331" y="1880314"/>
-            <a:ext cx="5814279" cy="3886676"/>
-          </a:xfrm>
-          <a:prstGeom prst="rect">
-            <a:avLst/>
-          </a:prstGeom>
-        </p:spPr>
-      </p:pic>
-      <p:pic>
-        <p:nvPicPr>
           <p:cNvPr id="14" name="図 13">
             <a:extLst>
               <a:ext uri="{FF2B5EF4-FFF2-40B4-BE49-F238E27FC236}">
@@ -7990,7 +7990,7 @@
         </p:blipFill>
         <p:spPr>
           <a:xfrm>
-            <a:off x="6620587" y="4617457"/>
+            <a:off x="6620587" y="3941419"/>
             <a:ext cx="1388752" cy="1386607"/>
           </a:xfrm>
           <a:prstGeom prst="rect">
@@ -8015,7 +8015,7 @@
         </p:nvSpPr>
         <p:spPr>
           <a:xfrm>
-            <a:off x="6620588" y="4617458"/>
+            <a:off x="6620588" y="3941420"/>
             <a:ext cx="466276" cy="473923"/>
           </a:xfrm>
           <a:prstGeom prst="rect">
@@ -8122,7 +8122,7 @@
         </p:nvSpPr>
         <p:spPr>
           <a:xfrm>
-            <a:off x="702259" y="4814708"/>
+            <a:off x="672540" y="4076134"/>
             <a:ext cx="5471769" cy="197510"/>
           </a:xfrm>
           <a:prstGeom prst="wedgeRectCallout">
@@ -8152,6 +8152,198 @@
           </a:effectRef>
           <a:fontRef idx="minor">
             <a:schemeClr val="lt1"/>
+          </a:fontRef>
+        </p:style>
+        <p:txBody>
+          <a:bodyPr rtlCol="0" anchor="ctr"/>
+          <a:lstStyle/>
+          <a:p>
+            <a:pPr algn="ctr"/>
+            <a:endParaRPr kumimoji="1" lang="ja-JP" altLang="en-US"/>
+          </a:p>
+        </p:txBody>
+      </p:sp>
+      <p:cxnSp>
+        <p:nvCxnSpPr>
+          <p:cNvPr id="18" name="直線コネクタ 17">
+            <a:extLst>
+              <a:ext uri="{FF2B5EF4-FFF2-40B4-BE49-F238E27FC236}">
+                <a16:creationId xmlns:a16="http://schemas.microsoft.com/office/drawing/2014/main" id="{38A6EDC7-66D5-46C0-86E4-582866E9E944}"/>
+              </a:ext>
+            </a:extLst>
+          </p:cNvPr>
+          <p:cNvCxnSpPr>
+            <a:cxnSpLocks/>
+          </p:cNvCxnSpPr>
+          <p:nvPr/>
+        </p:nvCxnSpPr>
+        <p:spPr>
+          <a:xfrm flipV="1">
+            <a:off x="6620587" y="3554993"/>
+            <a:ext cx="0" cy="386426"/>
+          </a:xfrm>
+          <a:prstGeom prst="line">
+            <a:avLst/>
+          </a:prstGeom>
+          <a:ln w="12700">
+            <a:solidFill>
+              <a:srgbClr val="FF0000">
+                <a:alpha val="50196"/>
+              </a:srgbClr>
+            </a:solidFill>
+            <a:prstDash val="sysDash"/>
+          </a:ln>
+        </p:spPr>
+        <p:style>
+          <a:lnRef idx="1">
+            <a:schemeClr val="accent1"/>
+          </a:lnRef>
+          <a:fillRef idx="0">
+            <a:schemeClr val="accent1"/>
+          </a:fillRef>
+          <a:effectRef idx="0">
+            <a:schemeClr val="accent1"/>
+          </a:effectRef>
+          <a:fontRef idx="minor">
+            <a:schemeClr val="tx1"/>
+          </a:fontRef>
+        </p:style>
+      </p:cxnSp>
+      <p:cxnSp>
+        <p:nvCxnSpPr>
+          <p:cNvPr id="19" name="直線コネクタ 18">
+            <a:extLst>
+              <a:ext uri="{FF2B5EF4-FFF2-40B4-BE49-F238E27FC236}">
+                <a16:creationId xmlns:a16="http://schemas.microsoft.com/office/drawing/2014/main" id="{0220CC6A-D574-4E52-856B-ADD997A421E1}"/>
+              </a:ext>
+            </a:extLst>
+          </p:cNvPr>
+          <p:cNvCxnSpPr>
+            <a:cxnSpLocks/>
+          </p:cNvCxnSpPr>
+          <p:nvPr/>
+        </p:nvCxnSpPr>
+        <p:spPr>
+          <a:xfrm flipV="1">
+            <a:off x="7095744" y="3606395"/>
+            <a:ext cx="913595" cy="826616"/>
+          </a:xfrm>
+          <a:prstGeom prst="line">
+            <a:avLst/>
+          </a:prstGeom>
+          <a:ln w="12700">
+            <a:solidFill>
+              <a:srgbClr val="FF0000">
+                <a:alpha val="50196"/>
+              </a:srgbClr>
+            </a:solidFill>
+            <a:prstDash val="sysDash"/>
+          </a:ln>
+        </p:spPr>
+        <p:style>
+          <a:lnRef idx="1">
+            <a:schemeClr val="accent1"/>
+          </a:lnRef>
+          <a:fillRef idx="0">
+            <a:schemeClr val="accent1"/>
+          </a:fillRef>
+          <a:effectRef idx="0">
+            <a:schemeClr val="accent1"/>
+          </a:effectRef>
+          <a:fontRef idx="minor">
+            <a:schemeClr val="tx1"/>
+          </a:fontRef>
+        </p:style>
+      </p:cxnSp>
+      <p:sp>
+        <p:nvSpPr>
+          <p:cNvPr id="21" name="テキスト ボックス 20">
+            <a:extLst>
+              <a:ext uri="{FF2B5EF4-FFF2-40B4-BE49-F238E27FC236}">
+                <a16:creationId xmlns:a16="http://schemas.microsoft.com/office/drawing/2014/main" id="{ED838FC0-124B-4606-AAEF-9E9738C862F7}"/>
+              </a:ext>
+            </a:extLst>
+          </p:cNvPr>
+          <p:cNvSpPr txBox="1"/>
+          <p:nvPr/>
+        </p:nvSpPr>
+        <p:spPr>
+          <a:xfrm>
+            <a:off x="1973854" y="5111171"/>
+            <a:ext cx="2312856" cy="261610"/>
+          </a:xfrm>
+          <a:prstGeom prst="rect">
+            <a:avLst/>
+          </a:prstGeom>
+          <a:noFill/>
+          <a:ln>
+            <a:solidFill>
+              <a:srgbClr val="FF0000"/>
+            </a:solidFill>
+          </a:ln>
+        </p:spPr>
+        <p:txBody>
+          <a:bodyPr wrap="square" rtlCol="0">
+            <a:spAutoFit/>
+          </a:bodyPr>
+          <a:lstStyle/>
+          <a:p>
+            <a:r>
+              <a:rPr kumimoji="1" lang="ja-JP" altLang="en-US" sz="1100">
+                <a:latin typeface="Consolas" panose="020B0609020204030204" pitchFamily="49" charset="0"/>
+              </a:rPr>
+              <a:t>ここを再帰呼び出しに変更する？</a:t>
+            </a:r>
+            <a:endParaRPr kumimoji="1" lang="ja-JP" altLang="en-US" sz="1100" dirty="0">
+              <a:latin typeface="Consolas" panose="020B0609020204030204" pitchFamily="49" charset="0"/>
+            </a:endParaRPr>
+          </a:p>
+        </p:txBody>
+      </p:sp>
+      <p:sp>
+        <p:nvSpPr>
+          <p:cNvPr id="22" name="円弧 21">
+            <a:extLst>
+              <a:ext uri="{FF2B5EF4-FFF2-40B4-BE49-F238E27FC236}">
+                <a16:creationId xmlns:a16="http://schemas.microsoft.com/office/drawing/2014/main" id="{F84FCF06-3889-48F0-BF0B-BDBBF8B53C4B}"/>
+              </a:ext>
+            </a:extLst>
+          </p:cNvPr>
+          <p:cNvSpPr/>
+          <p:nvPr/>
+        </p:nvSpPr>
+        <p:spPr>
+          <a:xfrm>
+            <a:off x="2332785" y="3774642"/>
+            <a:ext cx="798209" cy="2699309"/>
+          </a:xfrm>
+          <a:prstGeom prst="arc">
+            <a:avLst>
+              <a:gd name="adj1" fmla="val 17401398"/>
+              <a:gd name="adj2" fmla="val 21567035"/>
+            </a:avLst>
+          </a:prstGeom>
+          <a:noFill/>
+          <a:ln w="12700">
+            <a:solidFill>
+              <a:srgbClr val="FF0000"/>
+            </a:solidFill>
+            <a:headEnd type="arrow" w="med" len="med"/>
+            <a:tailEnd type="none" w="med" len="med"/>
+          </a:ln>
+        </p:spPr>
+        <p:style>
+          <a:lnRef idx="1">
+            <a:schemeClr val="accent1"/>
+          </a:lnRef>
+          <a:fillRef idx="0">
+            <a:schemeClr val="accent1"/>
+          </a:fillRef>
+          <a:effectRef idx="0">
+            <a:schemeClr val="accent1"/>
+          </a:effectRef>
+          <a:fontRef idx="minor">
+            <a:schemeClr val="tx1"/>
           </a:fontRef>
         </p:style>
         <p:txBody>

--- a/images/recursive/図素材.pptx
+++ b/images/recursive/図素材.pptx
@@ -5,10 +5,10 @@
     <p:sldMasterId id="2147483660" r:id="rId1"/>
   </p:sldMasterIdLst>
   <p:notesMasterIdLst>
-    <p:notesMasterId r:id="rId24"/>
+    <p:notesMasterId r:id="rId26"/>
   </p:notesMasterIdLst>
   <p:handoutMasterIdLst>
-    <p:handoutMasterId r:id="rId25"/>
+    <p:handoutMasterId r:id="rId27"/>
   </p:handoutMasterIdLst>
   <p:sldIdLst>
     <p:sldId id="585" r:id="rId2"/>
@@ -25,14 +25,16 @@
     <p:sldId id="598" r:id="rId13"/>
     <p:sldId id="600" r:id="rId14"/>
     <p:sldId id="601" r:id="rId15"/>
-    <p:sldId id="569" r:id="rId16"/>
-    <p:sldId id="573" r:id="rId17"/>
-    <p:sldId id="577" r:id="rId18"/>
-    <p:sldId id="578" r:id="rId19"/>
-    <p:sldId id="579" r:id="rId20"/>
-    <p:sldId id="580" r:id="rId21"/>
-    <p:sldId id="581" r:id="rId22"/>
-    <p:sldId id="584" r:id="rId23"/>
+    <p:sldId id="602" r:id="rId16"/>
+    <p:sldId id="603" r:id="rId17"/>
+    <p:sldId id="569" r:id="rId18"/>
+    <p:sldId id="573" r:id="rId19"/>
+    <p:sldId id="577" r:id="rId20"/>
+    <p:sldId id="578" r:id="rId21"/>
+    <p:sldId id="579" r:id="rId22"/>
+    <p:sldId id="580" r:id="rId23"/>
+    <p:sldId id="581" r:id="rId24"/>
+    <p:sldId id="584" r:id="rId25"/>
   </p:sldIdLst>
   <p:sldSz cx="9144000" cy="6858000" type="screen4x3"/>
   <p:notesSz cx="6858000" cy="9144000"/>
@@ -236,7 +238,7 @@
           <a:p>
             <a:fld id="{C0D9501B-69D0-4000-9A67-A4069798CF04}" type="datetimeFigureOut">
               <a:rPr kumimoji="1" lang="ja-JP" altLang="en-US" smtClean="0"/>
-              <a:t>2021/6/2</a:t>
+              <a:t>2021/6/3</a:t>
             </a:fld>
             <a:endParaRPr kumimoji="1" lang="ja-JP" altLang="en-US"/>
           </a:p>
@@ -414,7 +416,7 @@
           <a:p>
             <a:fld id="{E1D20702-79C6-4D55-B0C7-6A4E995866BD}" type="datetimeFigureOut">
               <a:rPr kumimoji="1" lang="ja-JP" altLang="en-US" smtClean="0"/>
-              <a:t>2021/6/2</a:t>
+              <a:t>2021/6/3</a:t>
             </a:fld>
             <a:endParaRPr kumimoji="1" lang="ja-JP" altLang="en-US"/>
           </a:p>
@@ -8387,6 +8389,1542 @@
       </p:grpSpPr>
       <p:sp>
         <p:nvSpPr>
+          <p:cNvPr id="2" name="スライド番号プレースホルダー 1">
+            <a:extLst>
+              <a:ext uri="{FF2B5EF4-FFF2-40B4-BE49-F238E27FC236}">
+                <a16:creationId xmlns:a16="http://schemas.microsoft.com/office/drawing/2014/main" id="{0869422E-8530-4EE7-97EE-4A598AB819A9}"/>
+              </a:ext>
+            </a:extLst>
+          </p:cNvPr>
+          <p:cNvSpPr>
+            <a:spLocks noGrp="1"/>
+          </p:cNvSpPr>
+          <p:nvPr>
+            <p:ph type="sldNum" sz="quarter" idx="12"/>
+          </p:nvPr>
+        </p:nvSpPr>
+        <p:spPr/>
+        <p:txBody>
+          <a:bodyPr/>
+          <a:lstStyle/>
+          <a:p>
+            <a:fld id="{54E8F7FD-0FB9-42CD-ACB3-7754F601E11E}" type="slidenum">
+              <a:rPr kumimoji="1" lang="ja-JP" altLang="en-US" smtClean="0"/>
+              <a:t>15</a:t>
+            </a:fld>
+            <a:endParaRPr kumimoji="1" lang="ja-JP" altLang="en-US"/>
+          </a:p>
+        </p:txBody>
+      </p:sp>
+      <p:sp>
+        <p:nvSpPr>
+          <p:cNvPr id="3" name="タイトル 2">
+            <a:extLst>
+              <a:ext uri="{FF2B5EF4-FFF2-40B4-BE49-F238E27FC236}">
+                <a16:creationId xmlns:a16="http://schemas.microsoft.com/office/drawing/2014/main" id="{15049CBB-525D-4B5C-92B9-DD33726B76C3}"/>
+              </a:ext>
+            </a:extLst>
+          </p:cNvPr>
+          <p:cNvSpPr>
+            <a:spLocks noGrp="1"/>
+          </p:cNvSpPr>
+          <p:nvPr>
+            <p:ph type="title"/>
+          </p:nvPr>
+        </p:nvSpPr>
+        <p:spPr/>
+        <p:txBody>
+          <a:bodyPr/>
+          <a:lstStyle/>
+          <a:p>
+            <a:endParaRPr kumimoji="1" lang="ja-JP" altLang="en-US"/>
+          </a:p>
+        </p:txBody>
+      </p:sp>
+      <p:sp>
+        <p:nvSpPr>
+          <p:cNvPr id="4" name="フッター プレースホルダー 3">
+            <a:extLst>
+              <a:ext uri="{FF2B5EF4-FFF2-40B4-BE49-F238E27FC236}">
+                <a16:creationId xmlns:a16="http://schemas.microsoft.com/office/drawing/2014/main" id="{B8D5918C-39BA-4CC5-AFC2-3860E9F25153}"/>
+              </a:ext>
+            </a:extLst>
+          </p:cNvPr>
+          <p:cNvSpPr>
+            <a:spLocks noGrp="1"/>
+          </p:cNvSpPr>
+          <p:nvPr>
+            <p:ph type="ftr" sz="quarter" idx="14"/>
+          </p:nvPr>
+        </p:nvSpPr>
+        <p:spPr/>
+        <p:txBody>
+          <a:bodyPr/>
+          <a:lstStyle/>
+          <a:p>
+            <a:endParaRPr lang="ja-JP" altLang="en-US"/>
+          </a:p>
+        </p:txBody>
+      </p:sp>
+      <p:pic>
+        <p:nvPicPr>
+          <p:cNvPr id="5" name="図 4">
+            <a:extLst>
+              <a:ext uri="{FF2B5EF4-FFF2-40B4-BE49-F238E27FC236}">
+                <a16:creationId xmlns:a16="http://schemas.microsoft.com/office/drawing/2014/main" id="{706CCA98-7411-46BC-BCE6-5A7C16307029}"/>
+              </a:ext>
+            </a:extLst>
+          </p:cNvPr>
+          <p:cNvPicPr>
+            <a:picLocks noChangeAspect="1"/>
+          </p:cNvPicPr>
+          <p:nvPr/>
+        </p:nvPicPr>
+        <p:blipFill rotWithShape="1">
+          <a:blip r:embed="rId2">
+            <a:extLst>
+              <a:ext uri="{28A0092B-C50C-407E-A947-70E740481C1C}">
+                <a14:useLocalDpi xmlns:a14="http://schemas.microsoft.com/office/drawing/2010/main" val="0"/>
+              </a:ext>
+            </a:extLst>
+          </a:blip>
+          <a:srcRect/>
+          <a:stretch/>
+        </p:blipFill>
+        <p:spPr>
+          <a:xfrm>
+            <a:off x="3522681" y="1794213"/>
+            <a:ext cx="2540000" cy="2568285"/>
+          </a:xfrm>
+          <a:prstGeom prst="rect">
+            <a:avLst/>
+          </a:prstGeom>
+        </p:spPr>
+      </p:pic>
+      <p:sp>
+        <p:nvSpPr>
+          <p:cNvPr id="6" name="円弧 5">
+            <a:extLst>
+              <a:ext uri="{FF2B5EF4-FFF2-40B4-BE49-F238E27FC236}">
+                <a16:creationId xmlns:a16="http://schemas.microsoft.com/office/drawing/2014/main" id="{B25D8407-CDC2-4F78-8C00-BC7E6EF70EF4}"/>
+              </a:ext>
+            </a:extLst>
+          </p:cNvPr>
+          <p:cNvSpPr/>
+          <p:nvPr/>
+        </p:nvSpPr>
+        <p:spPr>
+          <a:xfrm>
+            <a:off x="4463475" y="4022901"/>
+            <a:ext cx="678802" cy="663799"/>
+          </a:xfrm>
+          <a:prstGeom prst="arc">
+            <a:avLst/>
+          </a:prstGeom>
+          <a:ln w="19050">
+            <a:solidFill>
+              <a:srgbClr val="FF0000"/>
+            </a:solidFill>
+            <a:headEnd type="triangle"/>
+            <a:tailEnd type="none"/>
+          </a:ln>
+        </p:spPr>
+        <p:style>
+          <a:lnRef idx="1">
+            <a:schemeClr val="accent1"/>
+          </a:lnRef>
+          <a:fillRef idx="0">
+            <a:schemeClr val="accent1"/>
+          </a:fillRef>
+          <a:effectRef idx="0">
+            <a:schemeClr val="accent1"/>
+          </a:effectRef>
+          <a:fontRef idx="minor">
+            <a:schemeClr val="tx1"/>
+          </a:fontRef>
+        </p:style>
+        <p:txBody>
+          <a:bodyPr rtlCol="0" anchor="ctr"/>
+          <a:lstStyle/>
+          <a:p>
+            <a:pPr algn="ctr"/>
+            <a:endParaRPr kumimoji="1" lang="ja-JP" altLang="en-US">
+              <a:solidFill>
+                <a:srgbClr val="FF0000"/>
+              </a:solidFill>
+            </a:endParaRPr>
+          </a:p>
+        </p:txBody>
+      </p:sp>
+      <p:sp>
+        <p:nvSpPr>
+          <p:cNvPr id="7" name="テキスト ボックス 6">
+            <a:extLst>
+              <a:ext uri="{FF2B5EF4-FFF2-40B4-BE49-F238E27FC236}">
+                <a16:creationId xmlns:a16="http://schemas.microsoft.com/office/drawing/2014/main" id="{397DCC70-F1E9-4C59-A9F6-E3C551FFA21C}"/>
+              </a:ext>
+            </a:extLst>
+          </p:cNvPr>
+          <p:cNvSpPr txBox="1"/>
+          <p:nvPr/>
+        </p:nvSpPr>
+        <p:spPr>
+          <a:xfrm>
+            <a:off x="5265692" y="3891533"/>
+            <a:ext cx="2125786" cy="369332"/>
+          </a:xfrm>
+          <a:prstGeom prst="rect">
+            <a:avLst/>
+          </a:prstGeom>
+          <a:solidFill>
+            <a:srgbClr val="FFFFFF"/>
+          </a:solidFill>
+          <a:ln>
+            <a:solidFill>
+              <a:srgbClr val="FF0000"/>
+            </a:solidFill>
+          </a:ln>
+        </p:spPr>
+        <p:txBody>
+          <a:bodyPr wrap="square" rtlCol="0">
+            <a:spAutoFit/>
+          </a:bodyPr>
+          <a:lstStyle/>
+          <a:p>
+            <a:r>
+              <a:rPr kumimoji="1" lang="en-US" altLang="ja-JP" dirty="0">
+                <a:solidFill>
+                  <a:srgbClr val="FF0000"/>
+                </a:solidFill>
+                <a:latin typeface="游ゴシック Medium" panose="020B0500000000000000" pitchFamily="50" charset="-128"/>
+                <a:ea typeface="游ゴシック Medium" panose="020B0500000000000000" pitchFamily="50" charset="-128"/>
+              </a:rPr>
+              <a:t>-</a:t>
+            </a:r>
+            <a:r>
+              <a:rPr kumimoji="1" lang="en-US" altLang="ja-JP">
+                <a:solidFill>
+                  <a:srgbClr val="FF0000"/>
+                </a:solidFill>
+                <a:latin typeface="游ゴシック Medium" panose="020B0500000000000000" pitchFamily="50" charset="-128"/>
+                <a:ea typeface="游ゴシック Medium" panose="020B0500000000000000" pitchFamily="50" charset="-128"/>
+              </a:rPr>
+              <a:t>90°(</a:t>
+            </a:r>
+            <a:r>
+              <a:rPr kumimoji="1" lang="ja-JP" altLang="en-US">
+                <a:solidFill>
+                  <a:srgbClr val="FF0000"/>
+                </a:solidFill>
+                <a:latin typeface="游ゴシック Medium" panose="020B0500000000000000" pitchFamily="50" charset="-128"/>
+                <a:ea typeface="游ゴシック Medium" panose="020B0500000000000000" pitchFamily="50" charset="-128"/>
+              </a:rPr>
+              <a:t>反時計回り</a:t>
+            </a:r>
+            <a:r>
+              <a:rPr kumimoji="1" lang="en-US" altLang="ja-JP">
+                <a:solidFill>
+                  <a:srgbClr val="FF0000"/>
+                </a:solidFill>
+                <a:latin typeface="游ゴシック Medium" panose="020B0500000000000000" pitchFamily="50" charset="-128"/>
+                <a:ea typeface="游ゴシック Medium" panose="020B0500000000000000" pitchFamily="50" charset="-128"/>
+              </a:rPr>
+              <a:t>)</a:t>
+            </a:r>
+            <a:endParaRPr kumimoji="1" lang="ja-JP" altLang="en-US" dirty="0">
+              <a:solidFill>
+                <a:srgbClr val="FF0000"/>
+              </a:solidFill>
+              <a:latin typeface="游ゴシック Medium" panose="020B0500000000000000" pitchFamily="50" charset="-128"/>
+              <a:ea typeface="游ゴシック Medium" panose="020B0500000000000000" pitchFamily="50" charset="-128"/>
+            </a:endParaRPr>
+          </a:p>
+        </p:txBody>
+      </p:sp>
+      <p:cxnSp>
+        <p:nvCxnSpPr>
+          <p:cNvPr id="8" name="直線矢印コネクタ 7">
+            <a:extLst>
+              <a:ext uri="{FF2B5EF4-FFF2-40B4-BE49-F238E27FC236}">
+                <a16:creationId xmlns:a16="http://schemas.microsoft.com/office/drawing/2014/main" id="{D2D9B53B-2C74-47EC-ACAE-E064A525D6CD}"/>
+              </a:ext>
+            </a:extLst>
+          </p:cNvPr>
+          <p:cNvCxnSpPr/>
+          <p:nvPr/>
+        </p:nvCxnSpPr>
+        <p:spPr>
+          <a:xfrm>
+            <a:off x="4231504" y="3833584"/>
+            <a:ext cx="0" cy="548112"/>
+          </a:xfrm>
+          <a:prstGeom prst="straightConnector1">
+            <a:avLst/>
+          </a:prstGeom>
+          <a:ln w="28575">
+            <a:solidFill>
+              <a:srgbClr val="FF0000"/>
+            </a:solidFill>
+            <a:headEnd type="triangle"/>
+            <a:tailEnd type="triangle"/>
+          </a:ln>
+        </p:spPr>
+        <p:style>
+          <a:lnRef idx="1">
+            <a:schemeClr val="accent1"/>
+          </a:lnRef>
+          <a:fillRef idx="0">
+            <a:schemeClr val="accent1"/>
+          </a:fillRef>
+          <a:effectRef idx="0">
+            <a:schemeClr val="accent1"/>
+          </a:effectRef>
+          <a:fontRef idx="minor">
+            <a:schemeClr val="tx1"/>
+          </a:fontRef>
+        </p:style>
+      </p:cxnSp>
+      <p:cxnSp>
+        <p:nvCxnSpPr>
+          <p:cNvPr id="9" name="直線コネクタ 8">
+            <a:extLst>
+              <a:ext uri="{FF2B5EF4-FFF2-40B4-BE49-F238E27FC236}">
+                <a16:creationId xmlns:a16="http://schemas.microsoft.com/office/drawing/2014/main" id="{9C007CA4-BD96-4DF2-8F5D-F01C0273ADB9}"/>
+              </a:ext>
+            </a:extLst>
+          </p:cNvPr>
+          <p:cNvCxnSpPr/>
+          <p:nvPr/>
+        </p:nvCxnSpPr>
+        <p:spPr>
+          <a:xfrm flipH="1">
+            <a:off x="4235231" y="3856162"/>
+            <a:ext cx="564444" cy="0"/>
+          </a:xfrm>
+          <a:prstGeom prst="line">
+            <a:avLst/>
+          </a:prstGeom>
+          <a:ln w="19050">
+            <a:solidFill>
+              <a:srgbClr val="FF0000"/>
+            </a:solidFill>
+            <a:prstDash val="sysDot"/>
+          </a:ln>
+        </p:spPr>
+        <p:style>
+          <a:lnRef idx="1">
+            <a:schemeClr val="accent1"/>
+          </a:lnRef>
+          <a:fillRef idx="0">
+            <a:schemeClr val="accent1"/>
+          </a:fillRef>
+          <a:effectRef idx="0">
+            <a:schemeClr val="accent1"/>
+          </a:effectRef>
+          <a:fontRef idx="minor">
+            <a:schemeClr val="tx1"/>
+          </a:fontRef>
+        </p:style>
+      </p:cxnSp>
+      <p:sp>
+        <p:nvSpPr>
+          <p:cNvPr id="10" name="テキスト ボックス 9">
+            <a:extLst>
+              <a:ext uri="{FF2B5EF4-FFF2-40B4-BE49-F238E27FC236}">
+                <a16:creationId xmlns:a16="http://schemas.microsoft.com/office/drawing/2014/main" id="{0DE41A01-F341-49F6-9703-5A6A926AD573}"/>
+              </a:ext>
+            </a:extLst>
+          </p:cNvPr>
+          <p:cNvSpPr txBox="1"/>
+          <p:nvPr/>
+        </p:nvSpPr>
+        <p:spPr>
+          <a:xfrm>
+            <a:off x="2866297" y="3895700"/>
+            <a:ext cx="1258745" cy="369332"/>
+          </a:xfrm>
+          <a:prstGeom prst="rect">
+            <a:avLst/>
+          </a:prstGeom>
+          <a:solidFill>
+            <a:srgbClr val="FFFFFF"/>
+          </a:solidFill>
+          <a:ln>
+            <a:solidFill>
+              <a:srgbClr val="FF0000"/>
+            </a:solidFill>
+          </a:ln>
+        </p:spPr>
+        <p:txBody>
+          <a:bodyPr wrap="square" rtlCol="0">
+            <a:spAutoFit/>
+          </a:bodyPr>
+          <a:lstStyle/>
+          <a:p>
+            <a:pPr algn="r"/>
+            <a:r>
+              <a:rPr kumimoji="1" lang="ja-JP" altLang="en-US">
+                <a:solidFill>
+                  <a:srgbClr val="FF0000"/>
+                </a:solidFill>
+                <a:latin typeface="游ゴシック Medium" panose="020B0500000000000000" pitchFamily="50" charset="-128"/>
+                <a:ea typeface="游ゴシック Medium" panose="020B0500000000000000" pitchFamily="50" charset="-128"/>
+              </a:rPr>
+              <a:t>長さ：</a:t>
+            </a:r>
+            <a:r>
+              <a:rPr kumimoji="1" lang="en-US" altLang="ja-JP">
+                <a:solidFill>
+                  <a:srgbClr val="FF0000"/>
+                </a:solidFill>
+                <a:latin typeface="游ゴシック Medium" panose="020B0500000000000000" pitchFamily="50" charset="-128"/>
+                <a:ea typeface="游ゴシック Medium" panose="020B0500000000000000" pitchFamily="50" charset="-128"/>
+              </a:rPr>
+              <a:t>200</a:t>
+            </a:r>
+            <a:endParaRPr kumimoji="1" lang="ja-JP" altLang="en-US" dirty="0">
+              <a:solidFill>
+                <a:srgbClr val="FF0000"/>
+              </a:solidFill>
+              <a:latin typeface="游ゴシック Medium" panose="020B0500000000000000" pitchFamily="50" charset="-128"/>
+              <a:ea typeface="游ゴシック Medium" panose="020B0500000000000000" pitchFamily="50" charset="-128"/>
+            </a:endParaRPr>
+          </a:p>
+        </p:txBody>
+      </p:sp>
+      <p:sp>
+        <p:nvSpPr>
+          <p:cNvPr id="11" name="楕円 10">
+            <a:extLst>
+              <a:ext uri="{FF2B5EF4-FFF2-40B4-BE49-F238E27FC236}">
+                <a16:creationId xmlns:a16="http://schemas.microsoft.com/office/drawing/2014/main" id="{D831186A-B1F6-4B1C-B27A-8B53C6271CD3}"/>
+              </a:ext>
+            </a:extLst>
+          </p:cNvPr>
+          <p:cNvSpPr>
+            <a:spLocks noChangeAspect="1"/>
+          </p:cNvSpPr>
+          <p:nvPr/>
+        </p:nvSpPr>
+        <p:spPr>
+          <a:xfrm>
+            <a:off x="4763313" y="4315373"/>
+            <a:ext cx="72000" cy="72000"/>
+          </a:xfrm>
+          <a:prstGeom prst="ellipse">
+            <a:avLst/>
+          </a:prstGeom>
+          <a:solidFill>
+            <a:srgbClr val="FF0000"/>
+          </a:solidFill>
+          <a:ln>
+            <a:noFill/>
+          </a:ln>
+        </p:spPr>
+        <p:style>
+          <a:lnRef idx="2">
+            <a:schemeClr val="accent1">
+              <a:shade val="50000"/>
+            </a:schemeClr>
+          </a:lnRef>
+          <a:fillRef idx="1">
+            <a:schemeClr val="accent1"/>
+          </a:fillRef>
+          <a:effectRef idx="0">
+            <a:schemeClr val="accent1"/>
+          </a:effectRef>
+          <a:fontRef idx="minor">
+            <a:schemeClr val="lt1"/>
+          </a:fontRef>
+        </p:style>
+        <p:txBody>
+          <a:bodyPr rtlCol="0" anchor="ctr"/>
+          <a:lstStyle/>
+          <a:p>
+            <a:pPr algn="ctr"/>
+            <a:endParaRPr kumimoji="1" lang="ja-JP" altLang="en-US">
+              <a:solidFill>
+                <a:srgbClr val="FF0000"/>
+              </a:solidFill>
+            </a:endParaRPr>
+          </a:p>
+        </p:txBody>
+      </p:sp>
+      <p:sp>
+        <p:nvSpPr>
+          <p:cNvPr id="12" name="テキスト ボックス 11">
+            <a:extLst>
+              <a:ext uri="{FF2B5EF4-FFF2-40B4-BE49-F238E27FC236}">
+                <a16:creationId xmlns:a16="http://schemas.microsoft.com/office/drawing/2014/main" id="{419626A8-BB8D-4BFD-8B05-D4B80B3685D1}"/>
+              </a:ext>
+            </a:extLst>
+          </p:cNvPr>
+          <p:cNvSpPr txBox="1"/>
+          <p:nvPr/>
+        </p:nvSpPr>
+        <p:spPr>
+          <a:xfrm>
+            <a:off x="4455909" y="4450103"/>
+            <a:ext cx="678801" cy="369332"/>
+          </a:xfrm>
+          <a:prstGeom prst="rect">
+            <a:avLst/>
+          </a:prstGeom>
+          <a:noFill/>
+          <a:ln>
+            <a:solidFill>
+              <a:srgbClr val="FF0000"/>
+            </a:solidFill>
+          </a:ln>
+        </p:spPr>
+        <p:txBody>
+          <a:bodyPr wrap="square" rtlCol="0">
+            <a:spAutoFit/>
+          </a:bodyPr>
+          <a:lstStyle/>
+          <a:p>
+            <a:r>
+              <a:rPr kumimoji="1" lang="ja-JP" altLang="en-US">
+                <a:solidFill>
+                  <a:srgbClr val="FF0000"/>
+                </a:solidFill>
+                <a:latin typeface="游ゴシック Medium" panose="020B0500000000000000" pitchFamily="50" charset="-128"/>
+                <a:ea typeface="游ゴシック Medium" panose="020B0500000000000000" pitchFamily="50" charset="-128"/>
+              </a:rPr>
+              <a:t>始点</a:t>
+            </a:r>
+            <a:endParaRPr kumimoji="1" lang="ja-JP" altLang="en-US" dirty="0">
+              <a:solidFill>
+                <a:srgbClr val="FF0000"/>
+              </a:solidFill>
+              <a:latin typeface="游ゴシック Medium" panose="020B0500000000000000" pitchFamily="50" charset="-128"/>
+              <a:ea typeface="游ゴシック Medium" panose="020B0500000000000000" pitchFamily="50" charset="-128"/>
+            </a:endParaRPr>
+          </a:p>
+        </p:txBody>
+      </p:sp>
+      <p:sp>
+        <p:nvSpPr>
+          <p:cNvPr id="13" name="楕円 12">
+            <a:extLst>
+              <a:ext uri="{FF2B5EF4-FFF2-40B4-BE49-F238E27FC236}">
+                <a16:creationId xmlns:a16="http://schemas.microsoft.com/office/drawing/2014/main" id="{5F56F79E-9C61-420D-9886-47156C4589F8}"/>
+              </a:ext>
+            </a:extLst>
+          </p:cNvPr>
+          <p:cNvSpPr>
+            <a:spLocks noChangeAspect="1"/>
+          </p:cNvSpPr>
+          <p:nvPr/>
+        </p:nvSpPr>
+        <p:spPr>
+          <a:xfrm>
+            <a:off x="4763313" y="3835798"/>
+            <a:ext cx="72000" cy="72000"/>
+          </a:xfrm>
+          <a:prstGeom prst="ellipse">
+            <a:avLst/>
+          </a:prstGeom>
+          <a:solidFill>
+            <a:srgbClr val="FF0000"/>
+          </a:solidFill>
+          <a:ln>
+            <a:noFill/>
+          </a:ln>
+        </p:spPr>
+        <p:style>
+          <a:lnRef idx="2">
+            <a:schemeClr val="accent1">
+              <a:shade val="50000"/>
+            </a:schemeClr>
+          </a:lnRef>
+          <a:fillRef idx="1">
+            <a:schemeClr val="accent1"/>
+          </a:fillRef>
+          <a:effectRef idx="0">
+            <a:schemeClr val="accent1"/>
+          </a:effectRef>
+          <a:fontRef idx="minor">
+            <a:schemeClr val="lt1"/>
+          </a:fontRef>
+        </p:style>
+        <p:txBody>
+          <a:bodyPr rtlCol="0" anchor="ctr"/>
+          <a:lstStyle/>
+          <a:p>
+            <a:pPr algn="ctr"/>
+            <a:endParaRPr kumimoji="1" lang="ja-JP" altLang="en-US">
+              <a:solidFill>
+                <a:srgbClr val="FF0000"/>
+              </a:solidFill>
+            </a:endParaRPr>
+          </a:p>
+        </p:txBody>
+      </p:sp>
+      <p:sp>
+        <p:nvSpPr>
+          <p:cNvPr id="14" name="テキスト ボックス 13">
+            <a:extLst>
+              <a:ext uri="{FF2B5EF4-FFF2-40B4-BE49-F238E27FC236}">
+                <a16:creationId xmlns:a16="http://schemas.microsoft.com/office/drawing/2014/main" id="{42D133FD-7CC4-4073-AAE3-38AA30C85C4B}"/>
+              </a:ext>
+            </a:extLst>
+          </p:cNvPr>
+          <p:cNvSpPr txBox="1"/>
+          <p:nvPr/>
+        </p:nvSpPr>
+        <p:spPr>
+          <a:xfrm>
+            <a:off x="4463476" y="3358353"/>
+            <a:ext cx="678801" cy="369332"/>
+          </a:xfrm>
+          <a:prstGeom prst="rect">
+            <a:avLst/>
+          </a:prstGeom>
+          <a:solidFill>
+            <a:schemeClr val="bg1"/>
+          </a:solidFill>
+          <a:ln>
+            <a:solidFill>
+              <a:srgbClr val="FF0000"/>
+            </a:solidFill>
+          </a:ln>
+        </p:spPr>
+        <p:txBody>
+          <a:bodyPr wrap="square" rtlCol="0">
+            <a:spAutoFit/>
+          </a:bodyPr>
+          <a:lstStyle/>
+          <a:p>
+            <a:r>
+              <a:rPr lang="ja-JP" altLang="en-US">
+                <a:solidFill>
+                  <a:srgbClr val="FF0000"/>
+                </a:solidFill>
+                <a:latin typeface="游ゴシック Medium" panose="020B0500000000000000" pitchFamily="50" charset="-128"/>
+                <a:ea typeface="游ゴシック Medium" panose="020B0500000000000000" pitchFamily="50" charset="-128"/>
+              </a:rPr>
+              <a:t>終点</a:t>
+            </a:r>
+            <a:endParaRPr kumimoji="1" lang="ja-JP" altLang="en-US" dirty="0">
+              <a:solidFill>
+                <a:srgbClr val="FF0000"/>
+              </a:solidFill>
+              <a:latin typeface="游ゴシック Medium" panose="020B0500000000000000" pitchFamily="50" charset="-128"/>
+              <a:ea typeface="游ゴシック Medium" panose="020B0500000000000000" pitchFamily="50" charset="-128"/>
+            </a:endParaRPr>
+          </a:p>
+        </p:txBody>
+      </p:sp>
+    </p:spTree>
+    <p:extLst>
+      <p:ext uri="{BB962C8B-B14F-4D97-AF65-F5344CB8AC3E}">
+        <p14:creationId xmlns:p14="http://schemas.microsoft.com/office/powerpoint/2010/main" val="406756021"/>
+      </p:ext>
+    </p:extLst>
+  </p:cSld>
+  <p:clrMapOvr>
+    <a:masterClrMapping/>
+  </p:clrMapOvr>
+</p:sld>
+</file>
+
+<file path=ppt/slides/slide16.xml><?xml version="1.0" encoding="utf-8"?>
+<p:sld xmlns:a="http://schemas.openxmlformats.org/drawingml/2006/main" xmlns:r="http://schemas.openxmlformats.org/officeDocument/2006/relationships" xmlns:p="http://schemas.openxmlformats.org/presentationml/2006/main">
+  <p:cSld>
+    <p:spTree>
+      <p:nvGrpSpPr>
+        <p:cNvPr id="1" name=""/>
+        <p:cNvGrpSpPr/>
+        <p:nvPr/>
+      </p:nvGrpSpPr>
+      <p:grpSpPr>
+        <a:xfrm>
+          <a:off x="0" y="0"/>
+          <a:ext cx="0" cy="0"/>
+          <a:chOff x="0" y="0"/>
+          <a:chExt cx="0" cy="0"/>
+        </a:xfrm>
+      </p:grpSpPr>
+      <p:sp>
+        <p:nvSpPr>
+          <p:cNvPr id="2" name="スライド番号プレースホルダー 1">
+            <a:extLst>
+              <a:ext uri="{FF2B5EF4-FFF2-40B4-BE49-F238E27FC236}">
+                <a16:creationId xmlns:a16="http://schemas.microsoft.com/office/drawing/2014/main" id="{78535A0B-74AD-468C-A971-5CD62F7D9496}"/>
+              </a:ext>
+            </a:extLst>
+          </p:cNvPr>
+          <p:cNvSpPr>
+            <a:spLocks noGrp="1"/>
+          </p:cNvSpPr>
+          <p:nvPr>
+            <p:ph type="sldNum" sz="quarter" idx="12"/>
+          </p:nvPr>
+        </p:nvSpPr>
+        <p:spPr/>
+        <p:txBody>
+          <a:bodyPr/>
+          <a:lstStyle/>
+          <a:p>
+            <a:fld id="{54E8F7FD-0FB9-42CD-ACB3-7754F601E11E}" type="slidenum">
+              <a:rPr kumimoji="1" lang="ja-JP" altLang="en-US" smtClean="0"/>
+              <a:t>16</a:t>
+            </a:fld>
+            <a:endParaRPr kumimoji="1" lang="ja-JP" altLang="en-US"/>
+          </a:p>
+        </p:txBody>
+      </p:sp>
+      <p:sp>
+        <p:nvSpPr>
+          <p:cNvPr id="3" name="タイトル 2">
+            <a:extLst>
+              <a:ext uri="{FF2B5EF4-FFF2-40B4-BE49-F238E27FC236}">
+                <a16:creationId xmlns:a16="http://schemas.microsoft.com/office/drawing/2014/main" id="{6E447B43-E978-4D03-AD6A-189D5BF257EC}"/>
+              </a:ext>
+            </a:extLst>
+          </p:cNvPr>
+          <p:cNvSpPr>
+            <a:spLocks noGrp="1"/>
+          </p:cNvSpPr>
+          <p:nvPr>
+            <p:ph type="title"/>
+          </p:nvPr>
+        </p:nvSpPr>
+        <p:spPr/>
+        <p:txBody>
+          <a:bodyPr/>
+          <a:lstStyle/>
+          <a:p>
+            <a:endParaRPr kumimoji="1" lang="ja-JP" altLang="en-US"/>
+          </a:p>
+        </p:txBody>
+      </p:sp>
+      <p:sp>
+        <p:nvSpPr>
+          <p:cNvPr id="4" name="フッター プレースホルダー 3">
+            <a:extLst>
+              <a:ext uri="{FF2B5EF4-FFF2-40B4-BE49-F238E27FC236}">
+                <a16:creationId xmlns:a16="http://schemas.microsoft.com/office/drawing/2014/main" id="{31595EED-65A2-4A19-BA87-A89085080206}"/>
+              </a:ext>
+            </a:extLst>
+          </p:cNvPr>
+          <p:cNvSpPr>
+            <a:spLocks noGrp="1"/>
+          </p:cNvSpPr>
+          <p:nvPr>
+            <p:ph type="ftr" sz="quarter" idx="14"/>
+          </p:nvPr>
+        </p:nvSpPr>
+        <p:spPr/>
+        <p:txBody>
+          <a:bodyPr/>
+          <a:lstStyle/>
+          <a:p>
+            <a:endParaRPr lang="ja-JP" altLang="en-US"/>
+          </a:p>
+        </p:txBody>
+      </p:sp>
+      <p:pic>
+        <p:nvPicPr>
+          <p:cNvPr id="5" name="図 4">
+            <a:extLst>
+              <a:ext uri="{FF2B5EF4-FFF2-40B4-BE49-F238E27FC236}">
+                <a16:creationId xmlns:a16="http://schemas.microsoft.com/office/drawing/2014/main" id="{02B11B94-56E2-4884-8D9C-B1914FD313DE}"/>
+              </a:ext>
+            </a:extLst>
+          </p:cNvPr>
+          <p:cNvPicPr>
+            <a:picLocks noChangeAspect="1"/>
+          </p:cNvPicPr>
+          <p:nvPr/>
+        </p:nvPicPr>
+        <p:blipFill rotWithShape="1">
+          <a:blip r:embed="rId2"/>
+          <a:srcRect l="1032" t="5296" r="1436" b="641"/>
+          <a:stretch/>
+        </p:blipFill>
+        <p:spPr>
+          <a:xfrm>
+            <a:off x="3080882" y="1936446"/>
+            <a:ext cx="2540000" cy="2571612"/>
+          </a:xfrm>
+          <a:prstGeom prst="rect">
+            <a:avLst/>
+          </a:prstGeom>
+        </p:spPr>
+      </p:pic>
+      <p:cxnSp>
+        <p:nvCxnSpPr>
+          <p:cNvPr id="13" name="直線矢印コネクタ 12">
+            <a:extLst>
+              <a:ext uri="{FF2B5EF4-FFF2-40B4-BE49-F238E27FC236}">
+                <a16:creationId xmlns:a16="http://schemas.microsoft.com/office/drawing/2014/main" id="{47F17ADB-CA26-4A43-85CF-F8E2505BD3B9}"/>
+              </a:ext>
+            </a:extLst>
+          </p:cNvPr>
+          <p:cNvCxnSpPr/>
+          <p:nvPr/>
+        </p:nvCxnSpPr>
+        <p:spPr>
+          <a:xfrm flipV="1">
+            <a:off x="4586012" y="3719377"/>
+            <a:ext cx="124176" cy="361245"/>
+          </a:xfrm>
+          <a:prstGeom prst="straightConnector1">
+            <a:avLst/>
+          </a:prstGeom>
+          <a:ln w="19050">
+            <a:solidFill>
+              <a:srgbClr val="FF0000"/>
+            </a:solidFill>
+            <a:headEnd type="triangle"/>
+            <a:tailEnd type="triangle"/>
+          </a:ln>
+        </p:spPr>
+        <p:style>
+          <a:lnRef idx="1">
+            <a:schemeClr val="accent1"/>
+          </a:lnRef>
+          <a:fillRef idx="0">
+            <a:schemeClr val="accent1"/>
+          </a:fillRef>
+          <a:effectRef idx="0">
+            <a:schemeClr val="accent1"/>
+          </a:effectRef>
+          <a:fontRef idx="minor">
+            <a:schemeClr val="tx1"/>
+          </a:fontRef>
+        </p:style>
+      </p:cxnSp>
+      <p:sp>
+        <p:nvSpPr>
+          <p:cNvPr id="14" name="テキスト ボックス 13">
+            <a:extLst>
+              <a:ext uri="{FF2B5EF4-FFF2-40B4-BE49-F238E27FC236}">
+                <a16:creationId xmlns:a16="http://schemas.microsoft.com/office/drawing/2014/main" id="{ECDE7512-B0F6-4458-AA7C-A882AF674897}"/>
+              </a:ext>
+            </a:extLst>
+          </p:cNvPr>
+          <p:cNvSpPr txBox="1"/>
+          <p:nvPr/>
+        </p:nvSpPr>
+        <p:spPr>
+          <a:xfrm>
+            <a:off x="4745886" y="3862765"/>
+            <a:ext cx="799035" cy="276999"/>
+          </a:xfrm>
+          <a:prstGeom prst="rect">
+            <a:avLst/>
+          </a:prstGeom>
+          <a:solidFill>
+            <a:srgbClr val="FFFFFF"/>
+          </a:solidFill>
+        </p:spPr>
+        <p:txBody>
+          <a:bodyPr wrap="square" rtlCol="0">
+            <a:spAutoFit/>
+          </a:bodyPr>
+          <a:lstStyle/>
+          <a:p>
+            <a:r>
+              <a:rPr kumimoji="1" lang="ja-JP" altLang="en-US" sz="1200" dirty="0">
+                <a:solidFill>
+                  <a:srgbClr val="FF0000"/>
+                </a:solidFill>
+                <a:latin typeface="游ゴシック Medium" panose="020B0500000000000000" pitchFamily="50" charset="-128"/>
+                <a:ea typeface="游ゴシック Medium" panose="020B0500000000000000" pitchFamily="50" charset="-128"/>
+              </a:rPr>
+              <a:t>比率</a:t>
+            </a:r>
+            <a:r>
+              <a:rPr kumimoji="1" lang="en-US" altLang="ja-JP" sz="1200" dirty="0">
+                <a:solidFill>
+                  <a:srgbClr val="FF0000"/>
+                </a:solidFill>
+                <a:latin typeface="游ゴシック Medium" panose="020B0500000000000000" pitchFamily="50" charset="-128"/>
+                <a:ea typeface="游ゴシック Medium" panose="020B0500000000000000" pitchFamily="50" charset="-128"/>
+              </a:rPr>
+              <a:t>0.75</a:t>
+            </a:r>
+            <a:endParaRPr kumimoji="1" lang="ja-JP" altLang="en-US" sz="1200" dirty="0">
+              <a:solidFill>
+                <a:srgbClr val="FF0000"/>
+              </a:solidFill>
+              <a:latin typeface="游ゴシック Medium" panose="020B0500000000000000" pitchFamily="50" charset="-128"/>
+              <a:ea typeface="游ゴシック Medium" panose="020B0500000000000000" pitchFamily="50" charset="-128"/>
+            </a:endParaRPr>
+          </a:p>
+        </p:txBody>
+      </p:sp>
+      <p:cxnSp>
+        <p:nvCxnSpPr>
+          <p:cNvPr id="15" name="直線コネクタ 14">
+            <a:extLst>
+              <a:ext uri="{FF2B5EF4-FFF2-40B4-BE49-F238E27FC236}">
+                <a16:creationId xmlns:a16="http://schemas.microsoft.com/office/drawing/2014/main" id="{E24C1DDA-A331-4367-9BA7-20412911056A}"/>
+              </a:ext>
+            </a:extLst>
+          </p:cNvPr>
+          <p:cNvCxnSpPr>
+            <a:cxnSpLocks/>
+          </p:cNvCxnSpPr>
+          <p:nvPr/>
+        </p:nvCxnSpPr>
+        <p:spPr>
+          <a:xfrm flipH="1" flipV="1">
+            <a:off x="3762325" y="2391675"/>
+            <a:ext cx="451557" cy="1241780"/>
+          </a:xfrm>
+          <a:prstGeom prst="line">
+            <a:avLst/>
+          </a:prstGeom>
+          <a:ln w="19050">
+            <a:solidFill>
+              <a:schemeClr val="bg1">
+                <a:lumMod val="65000"/>
+              </a:schemeClr>
+            </a:solidFill>
+            <a:prstDash val="sysDot"/>
+          </a:ln>
+        </p:spPr>
+        <p:style>
+          <a:lnRef idx="1">
+            <a:schemeClr val="accent1"/>
+          </a:lnRef>
+          <a:fillRef idx="0">
+            <a:schemeClr val="accent1"/>
+          </a:fillRef>
+          <a:effectRef idx="0">
+            <a:schemeClr val="accent1"/>
+          </a:effectRef>
+          <a:fontRef idx="minor">
+            <a:schemeClr val="tx1"/>
+          </a:fontRef>
+        </p:style>
+      </p:cxnSp>
+      <p:sp>
+        <p:nvSpPr>
+          <p:cNvPr id="16" name="円弧 15">
+            <a:extLst>
+              <a:ext uri="{FF2B5EF4-FFF2-40B4-BE49-F238E27FC236}">
+                <a16:creationId xmlns:a16="http://schemas.microsoft.com/office/drawing/2014/main" id="{AAA714E4-8135-415B-BC76-45DAF0C41DF4}"/>
+              </a:ext>
+            </a:extLst>
+          </p:cNvPr>
+          <p:cNvSpPr/>
+          <p:nvPr/>
+        </p:nvSpPr>
+        <p:spPr>
+          <a:xfrm rot="16775126">
+            <a:off x="4024964" y="3421500"/>
+            <a:ext cx="547707" cy="454873"/>
+          </a:xfrm>
+          <a:prstGeom prst="arc">
+            <a:avLst>
+              <a:gd name="adj1" fmla="val 18509796"/>
+              <a:gd name="adj2" fmla="val 0"/>
+            </a:avLst>
+          </a:prstGeom>
+          <a:ln w="19050">
+            <a:solidFill>
+              <a:srgbClr val="FF0000"/>
+            </a:solidFill>
+            <a:headEnd type="triangle"/>
+            <a:tailEnd type="none"/>
+          </a:ln>
+        </p:spPr>
+        <p:style>
+          <a:lnRef idx="1">
+            <a:schemeClr val="accent1"/>
+          </a:lnRef>
+          <a:fillRef idx="0">
+            <a:schemeClr val="accent1"/>
+          </a:fillRef>
+          <a:effectRef idx="0">
+            <a:schemeClr val="accent1"/>
+          </a:effectRef>
+          <a:fontRef idx="minor">
+            <a:schemeClr val="tx1"/>
+          </a:fontRef>
+        </p:style>
+        <p:txBody>
+          <a:bodyPr rtlCol="0" anchor="ctr"/>
+          <a:lstStyle/>
+          <a:p>
+            <a:pPr algn="ctr"/>
+            <a:endParaRPr kumimoji="1" lang="ja-JP" altLang="en-US"/>
+          </a:p>
+        </p:txBody>
+      </p:sp>
+      <p:cxnSp>
+        <p:nvCxnSpPr>
+          <p:cNvPr id="17" name="直線コネクタ 16">
+            <a:extLst>
+              <a:ext uri="{FF2B5EF4-FFF2-40B4-BE49-F238E27FC236}">
+                <a16:creationId xmlns:a16="http://schemas.microsoft.com/office/drawing/2014/main" id="{0CE259C1-B12F-42DF-A8AC-9CEB20C0C60D}"/>
+              </a:ext>
+            </a:extLst>
+          </p:cNvPr>
+          <p:cNvCxnSpPr>
+            <a:cxnSpLocks/>
+          </p:cNvCxnSpPr>
+          <p:nvPr/>
+        </p:nvCxnSpPr>
+        <p:spPr>
+          <a:xfrm flipV="1">
+            <a:off x="4350882" y="2285711"/>
+            <a:ext cx="0" cy="1714347"/>
+          </a:xfrm>
+          <a:prstGeom prst="line">
+            <a:avLst/>
+          </a:prstGeom>
+          <a:ln w="19050">
+            <a:solidFill>
+              <a:schemeClr val="bg1">
+                <a:lumMod val="65000"/>
+              </a:schemeClr>
+            </a:solidFill>
+            <a:prstDash val="sysDot"/>
+            <a:tailEnd w="lg" len="med"/>
+          </a:ln>
+        </p:spPr>
+        <p:style>
+          <a:lnRef idx="1">
+            <a:schemeClr val="accent1"/>
+          </a:lnRef>
+          <a:fillRef idx="0">
+            <a:schemeClr val="accent1"/>
+          </a:fillRef>
+          <a:effectRef idx="0">
+            <a:schemeClr val="accent1"/>
+          </a:effectRef>
+          <a:fontRef idx="minor">
+            <a:schemeClr val="tx1"/>
+          </a:fontRef>
+        </p:style>
+      </p:cxnSp>
+      <p:sp>
+        <p:nvSpPr>
+          <p:cNvPr id="19" name="円弧 18">
+            <a:extLst>
+              <a:ext uri="{FF2B5EF4-FFF2-40B4-BE49-F238E27FC236}">
+                <a16:creationId xmlns:a16="http://schemas.microsoft.com/office/drawing/2014/main" id="{4CC090C5-F627-4808-8BFA-D96C26A51803}"/>
+              </a:ext>
+            </a:extLst>
+          </p:cNvPr>
+          <p:cNvSpPr/>
+          <p:nvPr/>
+        </p:nvSpPr>
+        <p:spPr>
+          <a:xfrm rot="19696220">
+            <a:off x="4041611" y="3392675"/>
+            <a:ext cx="547707" cy="454873"/>
+          </a:xfrm>
+          <a:prstGeom prst="arc">
+            <a:avLst>
+              <a:gd name="adj1" fmla="val 18509796"/>
+              <a:gd name="adj2" fmla="val 0"/>
+            </a:avLst>
+          </a:prstGeom>
+          <a:ln w="19050">
+            <a:solidFill>
+              <a:srgbClr val="FF0000"/>
+            </a:solidFill>
+            <a:headEnd type="none"/>
+            <a:tailEnd type="triangle"/>
+          </a:ln>
+        </p:spPr>
+        <p:style>
+          <a:lnRef idx="1">
+            <a:schemeClr val="accent1"/>
+          </a:lnRef>
+          <a:fillRef idx="0">
+            <a:schemeClr val="accent1"/>
+          </a:fillRef>
+          <a:effectRef idx="0">
+            <a:schemeClr val="accent1"/>
+          </a:effectRef>
+          <a:fontRef idx="minor">
+            <a:schemeClr val="tx1"/>
+          </a:fontRef>
+        </p:style>
+        <p:txBody>
+          <a:bodyPr rtlCol="0" anchor="ctr"/>
+          <a:lstStyle/>
+          <a:p>
+            <a:pPr algn="ctr"/>
+            <a:endParaRPr kumimoji="1" lang="ja-JP" altLang="en-US"/>
+          </a:p>
+        </p:txBody>
+      </p:sp>
+      <p:sp>
+        <p:nvSpPr>
+          <p:cNvPr id="20" name="楕円 19">
+            <a:extLst>
+              <a:ext uri="{FF2B5EF4-FFF2-40B4-BE49-F238E27FC236}">
+                <a16:creationId xmlns:a16="http://schemas.microsoft.com/office/drawing/2014/main" id="{6C27EF8B-F9AD-483B-9FCD-8D9F05EE8F4D}"/>
+              </a:ext>
+            </a:extLst>
+          </p:cNvPr>
+          <p:cNvSpPr>
+            <a:spLocks noChangeAspect="1"/>
+          </p:cNvSpPr>
+          <p:nvPr/>
+        </p:nvSpPr>
+        <p:spPr>
+          <a:xfrm>
+            <a:off x="4316680" y="3948842"/>
+            <a:ext cx="72000" cy="72000"/>
+          </a:xfrm>
+          <a:prstGeom prst="ellipse">
+            <a:avLst/>
+          </a:prstGeom>
+          <a:solidFill>
+            <a:srgbClr val="FF0000"/>
+          </a:solidFill>
+          <a:ln>
+            <a:noFill/>
+          </a:ln>
+        </p:spPr>
+        <p:style>
+          <a:lnRef idx="2">
+            <a:schemeClr val="accent1">
+              <a:shade val="50000"/>
+            </a:schemeClr>
+          </a:lnRef>
+          <a:fillRef idx="1">
+            <a:schemeClr val="accent1"/>
+          </a:fillRef>
+          <a:effectRef idx="0">
+            <a:schemeClr val="accent1"/>
+          </a:effectRef>
+          <a:fontRef idx="minor">
+            <a:schemeClr val="lt1"/>
+          </a:fontRef>
+        </p:style>
+        <p:txBody>
+          <a:bodyPr rtlCol="0" anchor="ctr"/>
+          <a:lstStyle/>
+          <a:p>
+            <a:pPr algn="ctr"/>
+            <a:endParaRPr kumimoji="1" lang="ja-JP" altLang="en-US">
+              <a:solidFill>
+                <a:srgbClr val="FF0000"/>
+              </a:solidFill>
+            </a:endParaRPr>
+          </a:p>
+        </p:txBody>
+      </p:sp>
+      <p:sp>
+        <p:nvSpPr>
+          <p:cNvPr id="21" name="楕円 20">
+            <a:extLst>
+              <a:ext uri="{FF2B5EF4-FFF2-40B4-BE49-F238E27FC236}">
+                <a16:creationId xmlns:a16="http://schemas.microsoft.com/office/drawing/2014/main" id="{1247B046-B7E2-451C-AFB6-33E7528B2A7D}"/>
+              </a:ext>
+            </a:extLst>
+          </p:cNvPr>
+          <p:cNvSpPr>
+            <a:spLocks noChangeAspect="1"/>
+          </p:cNvSpPr>
+          <p:nvPr/>
+        </p:nvSpPr>
+        <p:spPr>
+          <a:xfrm>
+            <a:off x="4182243" y="3612936"/>
+            <a:ext cx="72000" cy="72000"/>
+          </a:xfrm>
+          <a:prstGeom prst="ellipse">
+            <a:avLst/>
+          </a:prstGeom>
+          <a:solidFill>
+            <a:srgbClr val="FF0000"/>
+          </a:solidFill>
+          <a:ln>
+            <a:noFill/>
+          </a:ln>
+        </p:spPr>
+        <p:style>
+          <a:lnRef idx="2">
+            <a:schemeClr val="accent1">
+              <a:shade val="50000"/>
+            </a:schemeClr>
+          </a:lnRef>
+          <a:fillRef idx="1">
+            <a:schemeClr val="accent1"/>
+          </a:fillRef>
+          <a:effectRef idx="0">
+            <a:schemeClr val="accent1"/>
+          </a:effectRef>
+          <a:fontRef idx="minor">
+            <a:schemeClr val="lt1"/>
+          </a:fontRef>
+        </p:style>
+        <p:txBody>
+          <a:bodyPr rtlCol="0" anchor="ctr"/>
+          <a:lstStyle/>
+          <a:p>
+            <a:pPr algn="ctr"/>
+            <a:endParaRPr kumimoji="1" lang="ja-JP" altLang="en-US">
+              <a:solidFill>
+                <a:srgbClr val="FF0000"/>
+              </a:solidFill>
+            </a:endParaRPr>
+          </a:p>
+        </p:txBody>
+      </p:sp>
+      <p:cxnSp>
+        <p:nvCxnSpPr>
+          <p:cNvPr id="22" name="直線コネクタ 21">
+            <a:extLst>
+              <a:ext uri="{FF2B5EF4-FFF2-40B4-BE49-F238E27FC236}">
+                <a16:creationId xmlns:a16="http://schemas.microsoft.com/office/drawing/2014/main" id="{6A9067BA-7A9A-4051-9573-462992627B78}"/>
+              </a:ext>
+            </a:extLst>
+          </p:cNvPr>
+          <p:cNvCxnSpPr>
+            <a:cxnSpLocks/>
+          </p:cNvCxnSpPr>
+          <p:nvPr/>
+        </p:nvCxnSpPr>
+        <p:spPr>
+          <a:xfrm flipV="1">
+            <a:off x="4483997" y="2404578"/>
+            <a:ext cx="451557" cy="1241780"/>
+          </a:xfrm>
+          <a:prstGeom prst="line">
+            <a:avLst/>
+          </a:prstGeom>
+          <a:ln w="19050">
+            <a:solidFill>
+              <a:schemeClr val="bg1">
+                <a:lumMod val="65000"/>
+              </a:schemeClr>
+            </a:solidFill>
+            <a:prstDash val="sysDot"/>
+          </a:ln>
+        </p:spPr>
+        <p:style>
+          <a:lnRef idx="1">
+            <a:schemeClr val="accent1"/>
+          </a:lnRef>
+          <a:fillRef idx="0">
+            <a:schemeClr val="accent1"/>
+          </a:fillRef>
+          <a:effectRef idx="0">
+            <a:schemeClr val="accent1"/>
+          </a:effectRef>
+          <a:fontRef idx="minor">
+            <a:schemeClr val="tx1"/>
+          </a:fontRef>
+        </p:style>
+      </p:cxnSp>
+      <p:sp>
+        <p:nvSpPr>
+          <p:cNvPr id="23" name="楕円 22">
+            <a:extLst>
+              <a:ext uri="{FF2B5EF4-FFF2-40B4-BE49-F238E27FC236}">
+                <a16:creationId xmlns:a16="http://schemas.microsoft.com/office/drawing/2014/main" id="{A12BFE96-6967-4239-B9E1-2F2D8864E944}"/>
+              </a:ext>
+            </a:extLst>
+          </p:cNvPr>
+          <p:cNvSpPr>
+            <a:spLocks noChangeAspect="1"/>
+          </p:cNvSpPr>
+          <p:nvPr/>
+        </p:nvSpPr>
+        <p:spPr>
+          <a:xfrm>
+            <a:off x="4448660" y="3612936"/>
+            <a:ext cx="72000" cy="72000"/>
+          </a:xfrm>
+          <a:prstGeom prst="ellipse">
+            <a:avLst/>
+          </a:prstGeom>
+          <a:solidFill>
+            <a:srgbClr val="FF0000"/>
+          </a:solidFill>
+          <a:ln>
+            <a:noFill/>
+          </a:ln>
+        </p:spPr>
+        <p:style>
+          <a:lnRef idx="2">
+            <a:schemeClr val="accent1">
+              <a:shade val="50000"/>
+            </a:schemeClr>
+          </a:lnRef>
+          <a:fillRef idx="1">
+            <a:schemeClr val="accent1"/>
+          </a:fillRef>
+          <a:effectRef idx="0">
+            <a:schemeClr val="accent1"/>
+          </a:effectRef>
+          <a:fontRef idx="minor">
+            <a:schemeClr val="lt1"/>
+          </a:fontRef>
+        </p:style>
+        <p:txBody>
+          <a:bodyPr rtlCol="0" anchor="ctr"/>
+          <a:lstStyle/>
+          <a:p>
+            <a:pPr algn="ctr"/>
+            <a:endParaRPr kumimoji="1" lang="ja-JP" altLang="en-US">
+              <a:solidFill>
+                <a:srgbClr val="FF0000"/>
+              </a:solidFill>
+            </a:endParaRPr>
+          </a:p>
+        </p:txBody>
+      </p:sp>
+      <p:sp>
+        <p:nvSpPr>
+          <p:cNvPr id="18" name="テキスト ボックス 17">
+            <a:extLst>
+              <a:ext uri="{FF2B5EF4-FFF2-40B4-BE49-F238E27FC236}">
+                <a16:creationId xmlns:a16="http://schemas.microsoft.com/office/drawing/2014/main" id="{F0C1AFC4-A0DE-4546-A306-D6128748F3BF}"/>
+              </a:ext>
+            </a:extLst>
+          </p:cNvPr>
+          <p:cNvSpPr txBox="1"/>
+          <p:nvPr/>
+        </p:nvSpPr>
+        <p:spPr>
+          <a:xfrm>
+            <a:off x="4025136" y="2782064"/>
+            <a:ext cx="684418" cy="276999"/>
+          </a:xfrm>
+          <a:prstGeom prst="rect">
+            <a:avLst/>
+          </a:prstGeom>
+          <a:solidFill>
+            <a:srgbClr val="FFFFFF"/>
+          </a:solidFill>
+        </p:spPr>
+        <p:txBody>
+          <a:bodyPr wrap="square" rtlCol="0">
+            <a:spAutoFit/>
+          </a:bodyPr>
+          <a:lstStyle/>
+          <a:p>
+            <a:r>
+              <a:rPr kumimoji="1" lang="en-US" altLang="ja-JP" sz="1200" dirty="0">
+                <a:solidFill>
+                  <a:srgbClr val="FF0000"/>
+                </a:solidFill>
+                <a:latin typeface="游ゴシック Medium" panose="020B0500000000000000" pitchFamily="50" charset="-128"/>
+                <a:ea typeface="游ゴシック Medium" panose="020B0500000000000000" pitchFamily="50" charset="-128"/>
+              </a:rPr>
+              <a:t>±20°</a:t>
+            </a:r>
+            <a:endParaRPr kumimoji="1" lang="ja-JP" altLang="en-US" sz="1200" dirty="0">
+              <a:solidFill>
+                <a:srgbClr val="FF0000"/>
+              </a:solidFill>
+              <a:latin typeface="游ゴシック Medium" panose="020B0500000000000000" pitchFamily="50" charset="-128"/>
+              <a:ea typeface="游ゴシック Medium" panose="020B0500000000000000" pitchFamily="50" charset="-128"/>
+            </a:endParaRPr>
+          </a:p>
+        </p:txBody>
+      </p:sp>
+      <p:sp>
+        <p:nvSpPr>
+          <p:cNvPr id="24" name="テキスト ボックス 23">
+            <a:extLst>
+              <a:ext uri="{FF2B5EF4-FFF2-40B4-BE49-F238E27FC236}">
+                <a16:creationId xmlns:a16="http://schemas.microsoft.com/office/drawing/2014/main" id="{3C955358-BAA6-479B-B6E8-B454A3C27FDF}"/>
+              </a:ext>
+            </a:extLst>
+          </p:cNvPr>
+          <p:cNvSpPr txBox="1"/>
+          <p:nvPr/>
+        </p:nvSpPr>
+        <p:spPr>
+          <a:xfrm>
+            <a:off x="4064944" y="4136798"/>
+            <a:ext cx="521068" cy="276999"/>
+          </a:xfrm>
+          <a:prstGeom prst="rect">
+            <a:avLst/>
+          </a:prstGeom>
+          <a:solidFill>
+            <a:schemeClr val="bg1"/>
+          </a:solidFill>
+          <a:ln>
+            <a:solidFill>
+              <a:srgbClr val="FF0000"/>
+            </a:solidFill>
+          </a:ln>
+        </p:spPr>
+        <p:txBody>
+          <a:bodyPr wrap="square" rtlCol="0">
+            <a:spAutoFit/>
+          </a:bodyPr>
+          <a:lstStyle/>
+          <a:p>
+            <a:r>
+              <a:rPr kumimoji="1" lang="ja-JP" altLang="en-US" sz="1200">
+                <a:solidFill>
+                  <a:srgbClr val="FF0000"/>
+                </a:solidFill>
+                <a:latin typeface="游ゴシック Medium" panose="020B0500000000000000" pitchFamily="50" charset="-128"/>
+                <a:ea typeface="游ゴシック Medium" panose="020B0500000000000000" pitchFamily="50" charset="-128"/>
+              </a:rPr>
+              <a:t>始点</a:t>
+            </a:r>
+            <a:endParaRPr kumimoji="1" lang="ja-JP" altLang="en-US" sz="1200" dirty="0">
+              <a:solidFill>
+                <a:srgbClr val="FF0000"/>
+              </a:solidFill>
+              <a:latin typeface="游ゴシック Medium" panose="020B0500000000000000" pitchFamily="50" charset="-128"/>
+              <a:ea typeface="游ゴシック Medium" panose="020B0500000000000000" pitchFamily="50" charset="-128"/>
+            </a:endParaRPr>
+          </a:p>
+        </p:txBody>
+      </p:sp>
+      <p:sp>
+        <p:nvSpPr>
+          <p:cNvPr id="25" name="テキスト ボックス 24">
+            <a:extLst>
+              <a:ext uri="{FF2B5EF4-FFF2-40B4-BE49-F238E27FC236}">
+                <a16:creationId xmlns:a16="http://schemas.microsoft.com/office/drawing/2014/main" id="{A12196CE-6884-4CB3-8931-898625437F0F}"/>
+              </a:ext>
+            </a:extLst>
+          </p:cNvPr>
+          <p:cNvSpPr txBox="1"/>
+          <p:nvPr/>
+        </p:nvSpPr>
+        <p:spPr>
+          <a:xfrm>
+            <a:off x="4690248" y="3329093"/>
+            <a:ext cx="567446" cy="307777"/>
+          </a:xfrm>
+          <a:prstGeom prst="rect">
+            <a:avLst/>
+          </a:prstGeom>
+          <a:solidFill>
+            <a:schemeClr val="bg1"/>
+          </a:solidFill>
+          <a:ln>
+            <a:solidFill>
+              <a:srgbClr val="FF0000"/>
+            </a:solidFill>
+          </a:ln>
+        </p:spPr>
+        <p:txBody>
+          <a:bodyPr wrap="square" rtlCol="0">
+            <a:spAutoFit/>
+          </a:bodyPr>
+          <a:lstStyle/>
+          <a:p>
+            <a:r>
+              <a:rPr lang="ja-JP" altLang="en-US" sz="1400">
+                <a:solidFill>
+                  <a:srgbClr val="FF0000"/>
+                </a:solidFill>
+                <a:latin typeface="游ゴシック Medium" panose="020B0500000000000000" pitchFamily="50" charset="-128"/>
+                <a:ea typeface="游ゴシック Medium" panose="020B0500000000000000" pitchFamily="50" charset="-128"/>
+              </a:rPr>
+              <a:t>終点</a:t>
+            </a:r>
+            <a:endParaRPr kumimoji="1" lang="ja-JP" altLang="en-US" sz="1400" dirty="0">
+              <a:solidFill>
+                <a:srgbClr val="FF0000"/>
+              </a:solidFill>
+              <a:latin typeface="游ゴシック Medium" panose="020B0500000000000000" pitchFamily="50" charset="-128"/>
+              <a:ea typeface="游ゴシック Medium" panose="020B0500000000000000" pitchFamily="50" charset="-128"/>
+            </a:endParaRPr>
+          </a:p>
+        </p:txBody>
+      </p:sp>
+      <p:sp>
+        <p:nvSpPr>
+          <p:cNvPr id="26" name="テキスト ボックス 25">
+            <a:extLst>
+              <a:ext uri="{FF2B5EF4-FFF2-40B4-BE49-F238E27FC236}">
+                <a16:creationId xmlns:a16="http://schemas.microsoft.com/office/drawing/2014/main" id="{C91DDC05-5E6B-4110-9422-FFDEAE3CEBB9}"/>
+              </a:ext>
+            </a:extLst>
+          </p:cNvPr>
+          <p:cNvSpPr txBox="1"/>
+          <p:nvPr/>
+        </p:nvSpPr>
+        <p:spPr>
+          <a:xfrm>
+            <a:off x="3478602" y="3329093"/>
+            <a:ext cx="567446" cy="307777"/>
+          </a:xfrm>
+          <a:prstGeom prst="rect">
+            <a:avLst/>
+          </a:prstGeom>
+          <a:solidFill>
+            <a:schemeClr val="bg1"/>
+          </a:solidFill>
+          <a:ln>
+            <a:solidFill>
+              <a:srgbClr val="FF0000"/>
+            </a:solidFill>
+          </a:ln>
+        </p:spPr>
+        <p:txBody>
+          <a:bodyPr wrap="square" rtlCol="0">
+            <a:spAutoFit/>
+          </a:bodyPr>
+          <a:lstStyle/>
+          <a:p>
+            <a:r>
+              <a:rPr lang="ja-JP" altLang="en-US" sz="1400">
+                <a:solidFill>
+                  <a:srgbClr val="FF0000"/>
+                </a:solidFill>
+                <a:latin typeface="游ゴシック Medium" panose="020B0500000000000000" pitchFamily="50" charset="-128"/>
+                <a:ea typeface="游ゴシック Medium" panose="020B0500000000000000" pitchFamily="50" charset="-128"/>
+              </a:rPr>
+              <a:t>終点</a:t>
+            </a:r>
+            <a:endParaRPr kumimoji="1" lang="ja-JP" altLang="en-US" sz="1400" dirty="0">
+              <a:solidFill>
+                <a:srgbClr val="FF0000"/>
+              </a:solidFill>
+              <a:latin typeface="游ゴシック Medium" panose="020B0500000000000000" pitchFamily="50" charset="-128"/>
+              <a:ea typeface="游ゴシック Medium" panose="020B0500000000000000" pitchFamily="50" charset="-128"/>
+            </a:endParaRPr>
+          </a:p>
+        </p:txBody>
+      </p:sp>
+    </p:spTree>
+    <p:extLst>
+      <p:ext uri="{BB962C8B-B14F-4D97-AF65-F5344CB8AC3E}">
+        <p14:creationId xmlns:p14="http://schemas.microsoft.com/office/powerpoint/2010/main" val="120972089"/>
+      </p:ext>
+    </p:extLst>
+  </p:cSld>
+  <p:clrMapOvr>
+    <a:masterClrMapping/>
+  </p:clrMapOvr>
+</p:sld>
+</file>
+
+<file path=ppt/slides/slide17.xml><?xml version="1.0" encoding="utf-8"?>
+<p:sld xmlns:a="http://schemas.openxmlformats.org/drawingml/2006/main" xmlns:r="http://schemas.openxmlformats.org/officeDocument/2006/relationships" xmlns:p="http://schemas.openxmlformats.org/presentationml/2006/main">
+  <p:cSld>
+    <p:spTree>
+      <p:nvGrpSpPr>
+        <p:cNvPr id="1" name=""/>
+        <p:cNvGrpSpPr/>
+        <p:nvPr/>
+      </p:nvGrpSpPr>
+      <p:grpSpPr>
+        <a:xfrm>
+          <a:off x="0" y="0"/>
+          <a:ext cx="0" cy="0"/>
+          <a:chOff x="0" y="0"/>
+          <a:chExt cx="0" cy="0"/>
+        </a:xfrm>
+      </p:grpSpPr>
+      <p:sp>
+        <p:nvSpPr>
           <p:cNvPr id="2" name="タイトル 1">
             <a:extLst>
               <a:ext uri="{FF2B5EF4-FFF2-40B4-BE49-F238E27FC236}">
@@ -8461,7 +9999,7 @@
           <a:p>
             <a:fld id="{54E8F7FD-0FB9-42CD-ACB3-7754F601E11E}" type="slidenum">
               <a:rPr kumimoji="1" lang="ja-JP" altLang="en-US" smtClean="0"/>
-              <a:t>15</a:t>
+              <a:t>17</a:t>
             </a:fld>
             <a:endParaRPr kumimoji="1" lang="ja-JP" altLang="en-US"/>
           </a:p>
@@ -8541,7 +10079,7 @@
 </p:sld>
 </file>
 
-<file path=ppt/slides/slide16.xml><?xml version="1.0" encoding="utf-8"?>
+<file path=ppt/slides/slide18.xml><?xml version="1.0" encoding="utf-8"?>
 <p:sld xmlns:a="http://schemas.openxmlformats.org/drawingml/2006/main" xmlns:r="http://schemas.openxmlformats.org/officeDocument/2006/relationships" xmlns:p="http://schemas.openxmlformats.org/presentationml/2006/main">
   <p:cSld>
     <p:spTree>
@@ -8634,7 +10172,7 @@
           <a:p>
             <a:fld id="{54E8F7FD-0FB9-42CD-ACB3-7754F601E11E}" type="slidenum">
               <a:rPr kumimoji="1" lang="ja-JP" altLang="en-US" smtClean="0"/>
-              <a:t>16</a:t>
+              <a:t>18</a:t>
             </a:fld>
             <a:endParaRPr kumimoji="1" lang="ja-JP" altLang="en-US"/>
           </a:p>
@@ -8771,7 +10309,7 @@
 </p:sld>
 </file>
 
-<file path=ppt/slides/slide17.xml><?xml version="1.0" encoding="utf-8"?>
+<file path=ppt/slides/slide19.xml><?xml version="1.0" encoding="utf-8"?>
 <p:sld xmlns:a="http://schemas.openxmlformats.org/drawingml/2006/main" xmlns:r="http://schemas.openxmlformats.org/officeDocument/2006/relationships" xmlns:p="http://schemas.openxmlformats.org/presentationml/2006/main">
   <p:cSld>
     <p:spTree>
@@ -8864,7 +10402,7 @@
           <a:p>
             <a:fld id="{54E8F7FD-0FB9-42CD-ACB3-7754F601E11E}" type="slidenum">
               <a:rPr kumimoji="1" lang="ja-JP" altLang="en-US" smtClean="0"/>
-              <a:t>17</a:t>
+              <a:t>19</a:t>
             </a:fld>
             <a:endParaRPr kumimoji="1" lang="ja-JP" altLang="en-US"/>
           </a:p>
@@ -10856,7 +12394,892 @@
 </p:sld>
 </file>
 
-<file path=ppt/slides/slide18.xml><?xml version="1.0" encoding="utf-8"?>
+<file path=ppt/slides/slide2.xml><?xml version="1.0" encoding="utf-8"?>
+<p:sld xmlns:a="http://schemas.openxmlformats.org/drawingml/2006/main" xmlns:r="http://schemas.openxmlformats.org/officeDocument/2006/relationships" xmlns:p="http://schemas.openxmlformats.org/presentationml/2006/main">
+  <p:cSld>
+    <p:spTree>
+      <p:nvGrpSpPr>
+        <p:cNvPr id="1" name=""/>
+        <p:cNvGrpSpPr/>
+        <p:nvPr/>
+      </p:nvGrpSpPr>
+      <p:grpSpPr>
+        <a:xfrm>
+          <a:off x="0" y="0"/>
+          <a:ext cx="0" cy="0"/>
+          <a:chOff x="0" y="0"/>
+          <a:chExt cx="0" cy="0"/>
+        </a:xfrm>
+      </p:grpSpPr>
+      <p:sp>
+        <p:nvSpPr>
+          <p:cNvPr id="3" name="正方形/長方形 2">
+            <a:extLst>
+              <a:ext uri="{FF2B5EF4-FFF2-40B4-BE49-F238E27FC236}">
+                <a16:creationId xmlns:a16="http://schemas.microsoft.com/office/drawing/2014/main" id="{7EE4FE83-645C-495D-BDEB-4DAF1EB1BCC8}"/>
+              </a:ext>
+            </a:extLst>
+          </p:cNvPr>
+          <p:cNvSpPr/>
+          <p:nvPr/>
+        </p:nvSpPr>
+        <p:spPr>
+          <a:xfrm>
+            <a:off x="389744" y="1697126"/>
+            <a:ext cx="8169640" cy="2878112"/>
+          </a:xfrm>
+          <a:prstGeom prst="rect">
+            <a:avLst/>
+          </a:prstGeom>
+          <a:solidFill>
+            <a:schemeClr val="bg1">
+              <a:lumMod val="95000"/>
+            </a:schemeClr>
+          </a:solidFill>
+          <a:ln w="6350">
+            <a:noFill/>
+          </a:ln>
+        </p:spPr>
+        <p:style>
+          <a:lnRef idx="2">
+            <a:schemeClr val="accent1">
+              <a:shade val="50000"/>
+            </a:schemeClr>
+          </a:lnRef>
+          <a:fillRef idx="1">
+            <a:schemeClr val="accent1"/>
+          </a:fillRef>
+          <a:effectRef idx="0">
+            <a:schemeClr val="accent1"/>
+          </a:effectRef>
+          <a:fontRef idx="minor">
+            <a:schemeClr val="lt1"/>
+          </a:fontRef>
+        </p:style>
+        <p:txBody>
+          <a:bodyPr rtlCol="0" anchor="ctr"/>
+          <a:lstStyle/>
+          <a:p>
+            <a:pPr algn="ctr"/>
+            <a:endParaRPr kumimoji="1" lang="ja-JP" altLang="en-US"/>
+          </a:p>
+        </p:txBody>
+      </p:sp>
+      <p:sp>
+        <p:nvSpPr>
+          <p:cNvPr id="6" name="タイトル 5">
+            <a:extLst>
+              <a:ext uri="{FF2B5EF4-FFF2-40B4-BE49-F238E27FC236}">
+                <a16:creationId xmlns:a16="http://schemas.microsoft.com/office/drawing/2014/main" id="{6E24A800-C60F-4CD5-B0D8-E8545F3A9259}"/>
+              </a:ext>
+            </a:extLst>
+          </p:cNvPr>
+          <p:cNvSpPr>
+            <a:spLocks noGrp="1"/>
+          </p:cNvSpPr>
+          <p:nvPr>
+            <p:ph type="title"/>
+          </p:nvPr>
+        </p:nvSpPr>
+        <p:spPr/>
+        <p:txBody>
+          <a:bodyPr/>
+          <a:lstStyle/>
+          <a:p>
+            <a:endParaRPr lang="ja-JP" altLang="en-US"/>
+          </a:p>
+        </p:txBody>
+      </p:sp>
+      <p:sp>
+        <p:nvSpPr>
+          <p:cNvPr id="11" name="テキスト ボックス 10">
+            <a:extLst>
+              <a:ext uri="{FF2B5EF4-FFF2-40B4-BE49-F238E27FC236}">
+                <a16:creationId xmlns:a16="http://schemas.microsoft.com/office/drawing/2014/main" id="{4C8E5ACB-B75A-4CD3-BB41-43EE8BECC1F5}"/>
+              </a:ext>
+            </a:extLst>
+          </p:cNvPr>
+          <p:cNvSpPr txBox="1"/>
+          <p:nvPr/>
+        </p:nvSpPr>
+        <p:spPr>
+          <a:xfrm>
+            <a:off x="480174" y="1812154"/>
+            <a:ext cx="8183651" cy="2677656"/>
+          </a:xfrm>
+          <a:prstGeom prst="rect">
+            <a:avLst/>
+          </a:prstGeom>
+          <a:noFill/>
+          <a:ln>
+            <a:noFill/>
+          </a:ln>
+        </p:spPr>
+        <p:txBody>
+          <a:bodyPr wrap="none" rtlCol="0">
+            <a:spAutoFit/>
+          </a:bodyPr>
+          <a:lstStyle/>
+          <a:p>
+            <a:r>
+              <a:rPr kumimoji="1" lang="en-US" altLang="ja-JP" sz="1400">
+                <a:solidFill>
+                  <a:srgbClr val="00B050"/>
+                </a:solidFill>
+                <a:latin typeface="Consolas" panose="020B0609020204030204" pitchFamily="49" charset="0"/>
+                <a:ea typeface="ＭＳ ゴシック" panose="020B0609070205080204" pitchFamily="49" charset="-128"/>
+              </a:rPr>
+              <a:t>void</a:t>
+            </a:r>
+            <a:r>
+              <a:rPr kumimoji="1" lang="en-US" altLang="ja-JP" sz="1400">
+                <a:latin typeface="Consolas" panose="020B0609020204030204" pitchFamily="49" charset="0"/>
+                <a:ea typeface="ＭＳ ゴシック" panose="020B0609070205080204" pitchFamily="49" charset="-128"/>
+              </a:rPr>
+              <a:t> </a:t>
+            </a:r>
+            <a:r>
+              <a:rPr kumimoji="1" lang="en-US" altLang="ja-JP" sz="1400">
+                <a:solidFill>
+                  <a:srgbClr val="0070C0"/>
+                </a:solidFill>
+                <a:latin typeface="Consolas" panose="020B0609020204030204" pitchFamily="49" charset="0"/>
+                <a:ea typeface="ＭＳ ゴシック" panose="020B0609070205080204" pitchFamily="49" charset="-128"/>
+              </a:rPr>
+              <a:t>setup</a:t>
+            </a:r>
+            <a:r>
+              <a:rPr kumimoji="1" lang="en-US" altLang="ja-JP" sz="1400">
+                <a:latin typeface="Consolas" panose="020B0609020204030204" pitchFamily="49" charset="0"/>
+                <a:ea typeface="ＭＳ ゴシック" panose="020B0609070205080204" pitchFamily="49" charset="-128"/>
+              </a:rPr>
+              <a:t>()</a:t>
+            </a:r>
+          </a:p>
+          <a:p>
+            <a:r>
+              <a:rPr kumimoji="1" lang="en-US" altLang="ja-JP" sz="1400">
+                <a:latin typeface="Consolas" panose="020B0609020204030204" pitchFamily="49" charset="0"/>
+                <a:ea typeface="ＭＳ ゴシック" panose="020B0609070205080204" pitchFamily="49" charset="-128"/>
+              </a:rPr>
+              <a:t>{</a:t>
+            </a:r>
+          </a:p>
+          <a:p>
+            <a:r>
+              <a:rPr kumimoji="1" lang="en-US" altLang="ja-JP" sz="1400">
+                <a:latin typeface="Consolas" panose="020B0609020204030204" pitchFamily="49" charset="0"/>
+                <a:ea typeface="ＭＳ ゴシック" panose="020B0609070205080204" pitchFamily="49" charset="-128"/>
+              </a:rPr>
+              <a:t>    recursiveFunc(5);</a:t>
+            </a:r>
+          </a:p>
+          <a:p>
+            <a:r>
+              <a:rPr kumimoji="1" lang="en-US" altLang="ja-JP" sz="1400">
+                <a:latin typeface="Consolas" panose="020B0609020204030204" pitchFamily="49" charset="0"/>
+                <a:ea typeface="ＭＳ ゴシック" panose="020B0609070205080204" pitchFamily="49" charset="-128"/>
+              </a:rPr>
+              <a:t>}</a:t>
+            </a:r>
+          </a:p>
+          <a:p>
+            <a:r>
+              <a:rPr kumimoji="1" lang="en-US" altLang="ja-JP" sz="1400">
+                <a:solidFill>
+                  <a:schemeClr val="tx1">
+                    <a:lumMod val="50000"/>
+                    <a:lumOff val="50000"/>
+                  </a:schemeClr>
+                </a:solidFill>
+                <a:latin typeface="Consolas" panose="020B0609020204030204" pitchFamily="49" charset="0"/>
+                <a:ea typeface="ＭＳ ゴシック" panose="020B0609070205080204" pitchFamily="49" charset="-128"/>
+              </a:rPr>
+              <a:t>/** </a:t>
+            </a:r>
+            <a:r>
+              <a:rPr kumimoji="1" lang="ja-JP" altLang="en-US" sz="1400">
+                <a:solidFill>
+                  <a:schemeClr val="tx1">
+                    <a:lumMod val="50000"/>
+                    <a:lumOff val="50000"/>
+                  </a:schemeClr>
+                </a:solidFill>
+                <a:latin typeface="Consolas" panose="020B0609020204030204" pitchFamily="49" charset="0"/>
+                <a:ea typeface="ＭＳ ゴシック" panose="020B0609070205080204" pitchFamily="49" charset="-128"/>
+              </a:rPr>
+              <a:t>関数</a:t>
+            </a:r>
+            <a:r>
+              <a:rPr kumimoji="1" lang="en-US" altLang="ja-JP" sz="1400">
+                <a:solidFill>
+                  <a:schemeClr val="tx1">
+                    <a:lumMod val="50000"/>
+                    <a:lumOff val="50000"/>
+                  </a:schemeClr>
+                </a:solidFill>
+                <a:latin typeface="Consolas" panose="020B0609020204030204" pitchFamily="49" charset="0"/>
+                <a:ea typeface="ＭＳ ゴシック" panose="020B0609070205080204" pitchFamily="49" charset="-128"/>
+              </a:rPr>
+              <a:t>recursiveFunc</a:t>
+            </a:r>
+            <a:r>
+              <a:rPr kumimoji="1" lang="ja-JP" altLang="en-US" sz="1400">
+                <a:solidFill>
+                  <a:schemeClr val="tx1">
+                    <a:lumMod val="50000"/>
+                    <a:lumOff val="50000"/>
+                  </a:schemeClr>
+                </a:solidFill>
+                <a:latin typeface="Consolas" panose="020B0609020204030204" pitchFamily="49" charset="0"/>
+                <a:ea typeface="ＭＳ ゴシック" panose="020B0609070205080204" pitchFamily="49" charset="-128"/>
+              </a:rPr>
+              <a:t>の定義 </a:t>
+            </a:r>
+            <a:r>
+              <a:rPr kumimoji="1" lang="en-US" altLang="ja-JP" sz="1400">
+                <a:solidFill>
+                  <a:schemeClr val="tx1">
+                    <a:lumMod val="50000"/>
+                    <a:lumOff val="50000"/>
+                  </a:schemeClr>
+                </a:solidFill>
+                <a:latin typeface="Consolas" panose="020B0609020204030204" pitchFamily="49" charset="0"/>
+                <a:ea typeface="ＭＳ ゴシック" panose="020B0609070205080204" pitchFamily="49" charset="-128"/>
+              </a:rPr>
+              <a:t>*/</a:t>
+            </a:r>
+          </a:p>
+          <a:p>
+            <a:r>
+              <a:rPr kumimoji="1" lang="en-US" altLang="ja-JP" sz="1400">
+                <a:solidFill>
+                  <a:srgbClr val="00B050"/>
+                </a:solidFill>
+                <a:latin typeface="Consolas" panose="020B0609020204030204" pitchFamily="49" charset="0"/>
+                <a:ea typeface="ＭＳ ゴシック" panose="020B0609070205080204" pitchFamily="49" charset="-128"/>
+              </a:rPr>
+              <a:t>void</a:t>
+            </a:r>
+            <a:r>
+              <a:rPr kumimoji="1" lang="en-US" altLang="ja-JP" sz="1400">
+                <a:latin typeface="Consolas" panose="020B0609020204030204" pitchFamily="49" charset="0"/>
+                <a:ea typeface="ＭＳ ゴシック" panose="020B0609070205080204" pitchFamily="49" charset="-128"/>
+              </a:rPr>
+              <a:t> recursiveFunc(</a:t>
+            </a:r>
+            <a:r>
+              <a:rPr kumimoji="1" lang="en-US" altLang="ja-JP" sz="1400">
+                <a:solidFill>
+                  <a:srgbClr val="FF9900"/>
+                </a:solidFill>
+                <a:latin typeface="Consolas" panose="020B0609020204030204" pitchFamily="49" charset="0"/>
+                <a:ea typeface="ＭＳ ゴシック" panose="020B0609070205080204" pitchFamily="49" charset="-128"/>
+              </a:rPr>
+              <a:t>int</a:t>
+            </a:r>
+            <a:r>
+              <a:rPr kumimoji="1" lang="en-US" altLang="ja-JP" sz="1400">
+                <a:latin typeface="Consolas" panose="020B0609020204030204" pitchFamily="49" charset="0"/>
+                <a:ea typeface="ＭＳ ゴシック" panose="020B0609070205080204" pitchFamily="49" charset="-128"/>
+              </a:rPr>
+              <a:t> iLevel)</a:t>
+            </a:r>
+            <a:endParaRPr kumimoji="1" lang="ja-JP" altLang="en-US" sz="1400">
+              <a:latin typeface="Consolas" panose="020B0609020204030204" pitchFamily="49" charset="0"/>
+              <a:ea typeface="ＭＳ ゴシック" panose="020B0609070205080204" pitchFamily="49" charset="-128"/>
+            </a:endParaRPr>
+          </a:p>
+          <a:p>
+            <a:r>
+              <a:rPr kumimoji="1" lang="en-US" altLang="ja-JP" sz="1400">
+                <a:latin typeface="Consolas" panose="020B0609020204030204" pitchFamily="49" charset="0"/>
+                <a:ea typeface="ＭＳ ゴシック" panose="020B0609070205080204" pitchFamily="49" charset="-128"/>
+              </a:rPr>
+              <a:t>{</a:t>
+            </a:r>
+          </a:p>
+          <a:p>
+            <a:r>
+              <a:rPr kumimoji="1" lang="en-US" altLang="ja-JP" sz="1400">
+                <a:latin typeface="Consolas" panose="020B0609020204030204" pitchFamily="49" charset="0"/>
+                <a:ea typeface="ＭＳ ゴシック" panose="020B0609070205080204" pitchFamily="49" charset="-128"/>
+              </a:rPr>
+              <a:t>    </a:t>
+            </a:r>
+            <a:r>
+              <a:rPr kumimoji="1" lang="en-US" altLang="ja-JP" sz="1400">
+                <a:solidFill>
+                  <a:srgbClr val="92D050"/>
+                </a:solidFill>
+                <a:latin typeface="Consolas" panose="020B0609020204030204" pitchFamily="49" charset="0"/>
+                <a:ea typeface="ＭＳ ゴシック" panose="020B0609070205080204" pitchFamily="49" charset="-128"/>
+              </a:rPr>
+              <a:t>if</a:t>
+            </a:r>
+            <a:r>
+              <a:rPr kumimoji="1" lang="en-US" altLang="ja-JP" sz="1400">
+                <a:latin typeface="Consolas" panose="020B0609020204030204" pitchFamily="49" charset="0"/>
+                <a:ea typeface="ＭＳ ゴシック" panose="020B0609070205080204" pitchFamily="49" charset="-128"/>
+              </a:rPr>
+              <a:t>( iLevel&gt;0 )  </a:t>
+            </a:r>
+            <a:r>
+              <a:rPr kumimoji="1" lang="en-US" altLang="ja-JP" sz="1400">
+                <a:solidFill>
+                  <a:schemeClr val="tx1">
+                    <a:lumMod val="50000"/>
+                    <a:lumOff val="50000"/>
+                  </a:schemeClr>
+                </a:solidFill>
+                <a:latin typeface="Consolas" panose="020B0609020204030204" pitchFamily="49" charset="0"/>
+                <a:ea typeface="ＭＳ ゴシック" panose="020B0609070205080204" pitchFamily="49" charset="-128"/>
+              </a:rPr>
+              <a:t>//</a:t>
+            </a:r>
+            <a:r>
+              <a:rPr kumimoji="1" lang="ja-JP" altLang="en-US" sz="1400">
+                <a:solidFill>
+                  <a:schemeClr val="tx1">
+                    <a:lumMod val="50000"/>
+                    <a:lumOff val="50000"/>
+                  </a:schemeClr>
+                </a:solidFill>
+                <a:latin typeface="Consolas" panose="020B0609020204030204" pitchFamily="49" charset="0"/>
+                <a:ea typeface="ＭＳ ゴシック" panose="020B0609070205080204" pitchFamily="49" charset="-128"/>
+              </a:rPr>
+              <a:t>もし</a:t>
+            </a:r>
+            <a:r>
+              <a:rPr kumimoji="1" lang="en-US" altLang="ja-JP" sz="1400">
+                <a:solidFill>
+                  <a:schemeClr val="tx1">
+                    <a:lumMod val="50000"/>
+                    <a:lumOff val="50000"/>
+                  </a:schemeClr>
+                </a:solidFill>
+                <a:latin typeface="Consolas" panose="020B0609020204030204" pitchFamily="49" charset="0"/>
+                <a:ea typeface="ＭＳ ゴシック" panose="020B0609070205080204" pitchFamily="49" charset="-128"/>
+              </a:rPr>
+              <a:t>iLevel</a:t>
+            </a:r>
+            <a:r>
+              <a:rPr kumimoji="1" lang="ja-JP" altLang="en-US" sz="1400">
+                <a:solidFill>
+                  <a:schemeClr val="tx1">
+                    <a:lumMod val="50000"/>
+                    <a:lumOff val="50000"/>
+                  </a:schemeClr>
+                </a:solidFill>
+                <a:latin typeface="Consolas" panose="020B0609020204030204" pitchFamily="49" charset="0"/>
+                <a:ea typeface="ＭＳ ゴシック" panose="020B0609070205080204" pitchFamily="49" charset="-128"/>
+              </a:rPr>
+              <a:t>の数値が</a:t>
+            </a:r>
+            <a:r>
+              <a:rPr kumimoji="1" lang="en-US" altLang="ja-JP" sz="1400">
+                <a:solidFill>
+                  <a:schemeClr val="tx1">
+                    <a:lumMod val="50000"/>
+                    <a:lumOff val="50000"/>
+                  </a:schemeClr>
+                </a:solidFill>
+                <a:latin typeface="Consolas" panose="020B0609020204030204" pitchFamily="49" charset="0"/>
+                <a:ea typeface="ＭＳ ゴシック" panose="020B0609070205080204" pitchFamily="49" charset="-128"/>
+              </a:rPr>
+              <a:t>0</a:t>
+            </a:r>
+            <a:r>
+              <a:rPr kumimoji="1" lang="ja-JP" altLang="en-US" sz="1400">
+                <a:solidFill>
+                  <a:schemeClr val="tx1">
+                    <a:lumMod val="50000"/>
+                    <a:lumOff val="50000"/>
+                  </a:schemeClr>
+                </a:solidFill>
+                <a:latin typeface="Consolas" panose="020B0609020204030204" pitchFamily="49" charset="0"/>
+                <a:ea typeface="ＭＳ ゴシック" panose="020B0609070205080204" pitchFamily="49" charset="-128"/>
+              </a:rPr>
+              <a:t>より大きければ</a:t>
+            </a:r>
+            <a:endParaRPr kumimoji="1" lang="en-US" altLang="ja-JP" sz="1400">
+              <a:solidFill>
+                <a:schemeClr val="tx1">
+                  <a:lumMod val="50000"/>
+                  <a:lumOff val="50000"/>
+                </a:schemeClr>
+              </a:solidFill>
+              <a:latin typeface="Consolas" panose="020B0609020204030204" pitchFamily="49" charset="0"/>
+              <a:ea typeface="ＭＳ ゴシック" panose="020B0609070205080204" pitchFamily="49" charset="-128"/>
+            </a:endParaRPr>
+          </a:p>
+          <a:p>
+            <a:r>
+              <a:rPr kumimoji="1" lang="en-US" altLang="ja-JP" sz="1400">
+                <a:latin typeface="Consolas" panose="020B0609020204030204" pitchFamily="49" charset="0"/>
+                <a:ea typeface="ＭＳ ゴシック" panose="020B0609070205080204" pitchFamily="49" charset="-128"/>
+              </a:rPr>
+              <a:t>    {</a:t>
+            </a:r>
+          </a:p>
+          <a:p>
+            <a:r>
+              <a:rPr lang="en-US" altLang="ja-JP" sz="1400">
+                <a:latin typeface="Consolas" panose="020B0609020204030204" pitchFamily="49" charset="0"/>
+                <a:ea typeface="ＭＳ ゴシック" panose="020B0609070205080204" pitchFamily="49" charset="-128"/>
+              </a:rPr>
+              <a:t>        </a:t>
+            </a:r>
+            <a:r>
+              <a:rPr kumimoji="1" lang="en-US" altLang="ja-JP" sz="1400">
+                <a:latin typeface="Consolas" panose="020B0609020204030204" pitchFamily="49" charset="0"/>
+                <a:ea typeface="ＭＳ ゴシック" panose="020B0609070205080204" pitchFamily="49" charset="-128"/>
+              </a:rPr>
+              <a:t>recursiveFunc(iLevel-1);  </a:t>
+            </a:r>
+            <a:r>
+              <a:rPr kumimoji="1" lang="en-US" altLang="ja-JP" sz="1400">
+                <a:solidFill>
+                  <a:schemeClr val="tx1">
+                    <a:lumMod val="50000"/>
+                    <a:lumOff val="50000"/>
+                  </a:schemeClr>
+                </a:solidFill>
+                <a:latin typeface="Consolas" panose="020B0609020204030204" pitchFamily="49" charset="0"/>
+                <a:ea typeface="ＭＳ ゴシック" panose="020B0609070205080204" pitchFamily="49" charset="-128"/>
+              </a:rPr>
+              <a:t>//</a:t>
+            </a:r>
+            <a:r>
+              <a:rPr kumimoji="1" lang="ja-JP" altLang="en-US" sz="1400">
+                <a:solidFill>
+                  <a:schemeClr val="tx1">
+                    <a:lumMod val="50000"/>
+                    <a:lumOff val="50000"/>
+                  </a:schemeClr>
+                </a:solidFill>
+                <a:latin typeface="Consolas" panose="020B0609020204030204" pitchFamily="49" charset="0"/>
+                <a:ea typeface="ＭＳ ゴシック" panose="020B0609070205080204" pitchFamily="49" charset="-128"/>
+              </a:rPr>
+              <a:t>関数</a:t>
+            </a:r>
+            <a:r>
+              <a:rPr kumimoji="1" lang="en-US" altLang="ja-JP" sz="1400">
+                <a:solidFill>
+                  <a:schemeClr val="tx1">
+                    <a:lumMod val="50000"/>
+                    <a:lumOff val="50000"/>
+                  </a:schemeClr>
+                </a:solidFill>
+                <a:latin typeface="Consolas" panose="020B0609020204030204" pitchFamily="49" charset="0"/>
+                <a:ea typeface="ＭＳ ゴシック" panose="020B0609070205080204" pitchFamily="49" charset="-128"/>
+              </a:rPr>
+              <a:t>recursiveFunc</a:t>
+            </a:r>
+            <a:r>
+              <a:rPr kumimoji="1" lang="ja-JP" altLang="en-US" sz="1400">
+                <a:solidFill>
+                  <a:schemeClr val="tx1">
+                    <a:lumMod val="50000"/>
+                    <a:lumOff val="50000"/>
+                  </a:schemeClr>
+                </a:solidFill>
+                <a:latin typeface="Consolas" panose="020B0609020204030204" pitchFamily="49" charset="0"/>
+                <a:ea typeface="ＭＳ ゴシック" panose="020B0609070205080204" pitchFamily="49" charset="-128"/>
+              </a:rPr>
+              <a:t>の再帰呼び出し（引数</a:t>
+            </a:r>
+            <a:r>
+              <a:rPr kumimoji="1" lang="en-US" altLang="ja-JP" sz="1400">
+                <a:solidFill>
+                  <a:schemeClr val="tx1">
+                    <a:lumMod val="50000"/>
+                    <a:lumOff val="50000"/>
+                  </a:schemeClr>
+                </a:solidFill>
+                <a:latin typeface="Consolas" panose="020B0609020204030204" pitchFamily="49" charset="0"/>
+                <a:ea typeface="ＭＳ ゴシック" panose="020B0609070205080204" pitchFamily="49" charset="-128"/>
+              </a:rPr>
+              <a:t>iLevel-1</a:t>
+            </a:r>
+            <a:r>
+              <a:rPr kumimoji="1" lang="ja-JP" altLang="en-US" sz="1400">
+                <a:solidFill>
+                  <a:schemeClr val="tx1">
+                    <a:lumMod val="50000"/>
+                    <a:lumOff val="50000"/>
+                  </a:schemeClr>
+                </a:solidFill>
+                <a:latin typeface="Consolas" panose="020B0609020204030204" pitchFamily="49" charset="0"/>
+                <a:ea typeface="ＭＳ ゴシック" panose="020B0609070205080204" pitchFamily="49" charset="-128"/>
+              </a:rPr>
+              <a:t>）</a:t>
+            </a:r>
+          </a:p>
+          <a:p>
+            <a:r>
+              <a:rPr kumimoji="1" lang="en-US" altLang="ja-JP" sz="1400">
+                <a:latin typeface="Consolas" panose="020B0609020204030204" pitchFamily="49" charset="0"/>
+                <a:ea typeface="ＭＳ ゴシック" panose="020B0609070205080204" pitchFamily="49" charset="-128"/>
+              </a:rPr>
+              <a:t>    }</a:t>
+            </a:r>
+          </a:p>
+          <a:p>
+            <a:r>
+              <a:rPr kumimoji="1" lang="en-US" altLang="ja-JP" sz="1400">
+                <a:latin typeface="Consolas" panose="020B0609020204030204" pitchFamily="49" charset="0"/>
+                <a:ea typeface="ＭＳ ゴシック" panose="020B0609070205080204" pitchFamily="49" charset="-128"/>
+              </a:rPr>
+              <a:t>}</a:t>
+            </a:r>
+            <a:endParaRPr kumimoji="1" lang="ja-JP" altLang="en-US" sz="1400">
+              <a:latin typeface="Consolas" panose="020B0609020204030204" pitchFamily="49" charset="0"/>
+              <a:ea typeface="ＭＳ ゴシック" panose="020B0609070205080204" pitchFamily="49" charset="-128"/>
+            </a:endParaRPr>
+          </a:p>
+        </p:txBody>
+      </p:sp>
+      <p:cxnSp>
+        <p:nvCxnSpPr>
+          <p:cNvPr id="26" name="直線コネクタ 25">
+            <a:extLst>
+              <a:ext uri="{FF2B5EF4-FFF2-40B4-BE49-F238E27FC236}">
+                <a16:creationId xmlns:a16="http://schemas.microsoft.com/office/drawing/2014/main" id="{69542947-865E-4592-AC0E-2152378AB8DB}"/>
+              </a:ext>
+            </a:extLst>
+          </p:cNvPr>
+          <p:cNvCxnSpPr>
+            <a:cxnSpLocks/>
+          </p:cNvCxnSpPr>
+          <p:nvPr/>
+        </p:nvCxnSpPr>
+        <p:spPr>
+          <a:xfrm>
+            <a:off x="963812" y="3576371"/>
+            <a:ext cx="1359663" cy="0"/>
+          </a:xfrm>
+          <a:prstGeom prst="line">
+            <a:avLst/>
+          </a:prstGeom>
+          <a:ln w="12700">
+            <a:solidFill>
+              <a:srgbClr val="FF0000"/>
+            </a:solidFill>
+          </a:ln>
+        </p:spPr>
+        <p:style>
+          <a:lnRef idx="1">
+            <a:schemeClr val="accent1"/>
+          </a:lnRef>
+          <a:fillRef idx="0">
+            <a:schemeClr val="accent1"/>
+          </a:fillRef>
+          <a:effectRef idx="0">
+            <a:schemeClr val="accent1"/>
+          </a:effectRef>
+          <a:fontRef idx="minor">
+            <a:schemeClr val="tx1"/>
+          </a:fontRef>
+        </p:style>
+      </p:cxnSp>
+      <p:cxnSp>
+        <p:nvCxnSpPr>
+          <p:cNvPr id="37" name="直線矢印コネクタ 36">
+            <a:extLst>
+              <a:ext uri="{FF2B5EF4-FFF2-40B4-BE49-F238E27FC236}">
+                <a16:creationId xmlns:a16="http://schemas.microsoft.com/office/drawing/2014/main" id="{B66A546B-6096-4F86-AFC5-5BD81899B958}"/>
+              </a:ext>
+            </a:extLst>
+          </p:cNvPr>
+          <p:cNvCxnSpPr>
+            <a:cxnSpLocks/>
+          </p:cNvCxnSpPr>
+          <p:nvPr/>
+        </p:nvCxnSpPr>
+        <p:spPr>
+          <a:xfrm>
+            <a:off x="920244" y="3334036"/>
+            <a:ext cx="0" cy="259346"/>
+          </a:xfrm>
+          <a:prstGeom prst="straightConnector1">
+            <a:avLst/>
+          </a:prstGeom>
+          <a:ln w="9525">
+            <a:solidFill>
+              <a:srgbClr val="FF0000"/>
+            </a:solidFill>
+            <a:tailEnd type="triangle"/>
+          </a:ln>
+        </p:spPr>
+        <p:style>
+          <a:lnRef idx="1">
+            <a:schemeClr val="accent1"/>
+          </a:lnRef>
+          <a:fillRef idx="0">
+            <a:schemeClr val="accent1"/>
+          </a:fillRef>
+          <a:effectRef idx="0">
+            <a:schemeClr val="accent1"/>
+          </a:effectRef>
+          <a:fontRef idx="minor">
+            <a:schemeClr val="tx1"/>
+          </a:fontRef>
+        </p:style>
+      </p:cxnSp>
+      <p:sp>
+        <p:nvSpPr>
+          <p:cNvPr id="38" name="テキスト ボックス 37">
+            <a:extLst>
+              <a:ext uri="{FF2B5EF4-FFF2-40B4-BE49-F238E27FC236}">
+                <a16:creationId xmlns:a16="http://schemas.microsoft.com/office/drawing/2014/main" id="{B1A4842B-2AC3-4E79-8B55-16EA74846507}"/>
+              </a:ext>
+            </a:extLst>
+          </p:cNvPr>
+          <p:cNvSpPr txBox="1"/>
+          <p:nvPr/>
+        </p:nvSpPr>
+        <p:spPr>
+          <a:xfrm>
+            <a:off x="1112977" y="3106202"/>
+            <a:ext cx="3291286" cy="307777"/>
+          </a:xfrm>
+          <a:prstGeom prst="rect">
+            <a:avLst/>
+          </a:prstGeom>
+          <a:noFill/>
+        </p:spPr>
+        <p:txBody>
+          <a:bodyPr wrap="none" rtlCol="0">
+            <a:spAutoFit/>
+          </a:bodyPr>
+          <a:lstStyle/>
+          <a:p>
+            <a:r>
+              <a:rPr lang="en-US" altLang="ja-JP" sz="1400" u="sng">
+                <a:solidFill>
+                  <a:srgbClr val="FF0000"/>
+                </a:solidFill>
+                <a:latin typeface="Consolas" panose="020B0609020204030204" pitchFamily="49" charset="0"/>
+              </a:rPr>
+              <a:t>2.iLevel</a:t>
+            </a:r>
+            <a:r>
+              <a:rPr lang="ja-JP" altLang="en-US" sz="1400" u="sng">
+                <a:solidFill>
+                  <a:srgbClr val="FF0000"/>
+                </a:solidFill>
+                <a:latin typeface="Consolas" panose="020B0609020204030204" pitchFamily="49" charset="0"/>
+              </a:rPr>
+              <a:t>の数値が</a:t>
+            </a:r>
+            <a:r>
+              <a:rPr lang="en-US" altLang="ja-JP" sz="1400" u="sng">
+                <a:solidFill>
+                  <a:srgbClr val="FF0000"/>
+                </a:solidFill>
+                <a:latin typeface="Consolas" panose="020B0609020204030204" pitchFamily="49" charset="0"/>
+              </a:rPr>
+              <a:t>5</a:t>
+            </a:r>
+            <a:r>
+              <a:rPr lang="ja-JP" altLang="en-US" sz="1400" u="sng">
+                <a:solidFill>
+                  <a:srgbClr val="FF0000"/>
+                </a:solidFill>
+                <a:latin typeface="Consolas" panose="020B0609020204030204" pitchFamily="49" charset="0"/>
+              </a:rPr>
+              <a:t>なので，真</a:t>
+            </a:r>
+            <a:r>
+              <a:rPr lang="en-US" altLang="ja-JP" sz="1400" u="sng">
+                <a:solidFill>
+                  <a:srgbClr val="FF0000"/>
+                </a:solidFill>
+                <a:latin typeface="Consolas" panose="020B0609020204030204" pitchFamily="49" charset="0"/>
+              </a:rPr>
+              <a:t>(True)</a:t>
+            </a:r>
+            <a:endParaRPr kumimoji="1" lang="ja-JP" altLang="en-US" sz="1400" u="sng">
+              <a:solidFill>
+                <a:srgbClr val="FF0000"/>
+              </a:solidFill>
+              <a:latin typeface="Consolas" panose="020B0609020204030204" pitchFamily="49" charset="0"/>
+            </a:endParaRPr>
+          </a:p>
+        </p:txBody>
+      </p:sp>
+      <p:sp>
+        <p:nvSpPr>
+          <p:cNvPr id="21" name="正方形/長方形 20">
+            <a:extLst>
+              <a:ext uri="{FF2B5EF4-FFF2-40B4-BE49-F238E27FC236}">
+                <a16:creationId xmlns:a16="http://schemas.microsoft.com/office/drawing/2014/main" id="{473EADC8-7E9B-4404-8ACD-311668664193}"/>
+              </a:ext>
+            </a:extLst>
+          </p:cNvPr>
+          <p:cNvSpPr/>
+          <p:nvPr/>
+        </p:nvSpPr>
+        <p:spPr>
+          <a:xfrm>
+            <a:off x="280016" y="1565451"/>
+            <a:ext cx="8364512" cy="4952391"/>
+          </a:xfrm>
+          <a:prstGeom prst="rect">
+            <a:avLst/>
+          </a:prstGeom>
+          <a:noFill/>
+          <a:ln w="6350">
+            <a:solidFill>
+              <a:schemeClr val="tx1"/>
+            </a:solidFill>
+          </a:ln>
+        </p:spPr>
+        <p:style>
+          <a:lnRef idx="2">
+            <a:schemeClr val="accent1">
+              <a:shade val="50000"/>
+            </a:schemeClr>
+          </a:lnRef>
+          <a:fillRef idx="1">
+            <a:schemeClr val="accent1"/>
+          </a:fillRef>
+          <a:effectRef idx="0">
+            <a:schemeClr val="accent1"/>
+          </a:effectRef>
+          <a:fontRef idx="minor">
+            <a:schemeClr val="lt1"/>
+          </a:fontRef>
+        </p:style>
+        <p:txBody>
+          <a:bodyPr rtlCol="0" anchor="ctr"/>
+          <a:lstStyle/>
+          <a:p>
+            <a:pPr algn="ctr"/>
+            <a:endParaRPr kumimoji="1" lang="ja-JP" altLang="en-US"/>
+          </a:p>
+        </p:txBody>
+      </p:sp>
+      <p:sp>
+        <p:nvSpPr>
+          <p:cNvPr id="22" name="テキスト ボックス 21">
+            <a:extLst>
+              <a:ext uri="{FF2B5EF4-FFF2-40B4-BE49-F238E27FC236}">
+                <a16:creationId xmlns:a16="http://schemas.microsoft.com/office/drawing/2014/main" id="{98B3D3EE-4928-4666-A014-C416428403A4}"/>
+              </a:ext>
+            </a:extLst>
+          </p:cNvPr>
+          <p:cNvSpPr txBox="1"/>
+          <p:nvPr/>
+        </p:nvSpPr>
+        <p:spPr>
+          <a:xfrm>
+            <a:off x="328858" y="4686387"/>
+            <a:ext cx="1441420" cy="307777"/>
+          </a:xfrm>
+          <a:prstGeom prst="rect">
+            <a:avLst/>
+          </a:prstGeom>
+          <a:noFill/>
+        </p:spPr>
+        <p:txBody>
+          <a:bodyPr wrap="none" rtlCol="0">
+            <a:spAutoFit/>
+          </a:bodyPr>
+          <a:lstStyle/>
+          <a:p>
+            <a:r>
+              <a:rPr kumimoji="1" lang="ja-JP" altLang="en-US" sz="1400"/>
+              <a:t>コールスタック</a:t>
+            </a:r>
+          </a:p>
+        </p:txBody>
+      </p:sp>
+      <p:sp>
+        <p:nvSpPr>
+          <p:cNvPr id="23" name="正方形/長方形 22">
+            <a:extLst>
+              <a:ext uri="{FF2B5EF4-FFF2-40B4-BE49-F238E27FC236}">
+                <a16:creationId xmlns:a16="http://schemas.microsoft.com/office/drawing/2014/main" id="{3C3553E5-960B-4ABF-8055-3ED0C2C29D70}"/>
+              </a:ext>
+            </a:extLst>
+          </p:cNvPr>
+          <p:cNvSpPr/>
+          <p:nvPr/>
+        </p:nvSpPr>
+        <p:spPr>
+          <a:xfrm>
+            <a:off x="874214" y="5023424"/>
+            <a:ext cx="1380534" cy="179215"/>
+          </a:xfrm>
+          <a:prstGeom prst="rect">
+            <a:avLst/>
+          </a:prstGeom>
+          <a:solidFill>
+            <a:schemeClr val="bg1">
+              <a:lumMod val="95000"/>
+            </a:schemeClr>
+          </a:solidFill>
+          <a:ln w="6350">
+            <a:solidFill>
+              <a:schemeClr val="tx1"/>
+            </a:solidFill>
+          </a:ln>
+        </p:spPr>
+        <p:style>
+          <a:lnRef idx="2">
+            <a:schemeClr val="accent1">
+              <a:shade val="50000"/>
+            </a:schemeClr>
+          </a:lnRef>
+          <a:fillRef idx="1">
+            <a:schemeClr val="accent1"/>
+          </a:fillRef>
+          <a:effectRef idx="0">
+            <a:schemeClr val="accent1"/>
+          </a:effectRef>
+          <a:fontRef idx="minor">
+            <a:schemeClr val="lt1"/>
+          </a:fontRef>
+        </p:style>
+        <p:txBody>
+          <a:bodyPr rtlCol="0" anchor="ctr"/>
+          <a:lstStyle/>
+          <a:p>
+            <a:pPr algn="ctr"/>
+            <a:r>
+              <a:rPr kumimoji="1" lang="en-US" altLang="ja-JP" sz="1000">
+                <a:solidFill>
+                  <a:schemeClr val="tx1"/>
+                </a:solidFill>
+                <a:latin typeface="Consolas" panose="020B0609020204030204" pitchFamily="49" charset="0"/>
+                <a:ea typeface="ＭＳ ゴシック" panose="020B0609070205080204" pitchFamily="49" charset="-128"/>
+              </a:rPr>
+              <a:t>recursiveFunc(5)</a:t>
+            </a:r>
+            <a:endParaRPr kumimoji="1" lang="ja-JP" altLang="en-US" sz="1000">
+              <a:solidFill>
+                <a:schemeClr val="tx1"/>
+              </a:solidFill>
+            </a:endParaRPr>
+          </a:p>
+        </p:txBody>
+      </p:sp>
+    </p:spTree>
+    <p:extLst>
+      <p:ext uri="{BB962C8B-B14F-4D97-AF65-F5344CB8AC3E}">
+        <p14:creationId xmlns:p14="http://schemas.microsoft.com/office/powerpoint/2010/main" val="2370291441"/>
+      </p:ext>
+    </p:extLst>
+  </p:cSld>
+  <p:clrMapOvr>
+    <a:masterClrMapping/>
+  </p:clrMapOvr>
+</p:sld>
+</file>
+
+<file path=ppt/slides/slide20.xml><?xml version="1.0" encoding="utf-8"?>
 <p:sld xmlns:a="http://schemas.openxmlformats.org/drawingml/2006/main" xmlns:r="http://schemas.openxmlformats.org/officeDocument/2006/relationships" xmlns:p="http://schemas.openxmlformats.org/presentationml/2006/main">
   <p:cSld>
     <p:spTree>
@@ -10949,7 +13372,7 @@
           <a:p>
             <a:fld id="{54E8F7FD-0FB9-42CD-ACB3-7754F601E11E}" type="slidenum">
               <a:rPr kumimoji="1" lang="ja-JP" altLang="en-US" smtClean="0"/>
-              <a:t>18</a:t>
+              <a:t>20</a:t>
             </a:fld>
             <a:endParaRPr kumimoji="1" lang="ja-JP" altLang="en-US"/>
           </a:p>
@@ -13086,7 +15509,7 @@
 </p:sld>
 </file>
 
-<file path=ppt/slides/slide19.xml><?xml version="1.0" encoding="utf-8"?>
+<file path=ppt/slides/slide21.xml><?xml version="1.0" encoding="utf-8"?>
 <p:sld xmlns:a="http://schemas.openxmlformats.org/drawingml/2006/main" xmlns:r="http://schemas.openxmlformats.org/officeDocument/2006/relationships" xmlns:p="http://schemas.openxmlformats.org/presentationml/2006/main">
   <p:cSld>
     <p:spTree>
@@ -13179,7 +15602,7 @@
           <a:p>
             <a:fld id="{54E8F7FD-0FB9-42CD-ACB3-7754F601E11E}" type="slidenum">
               <a:rPr kumimoji="1" lang="ja-JP" altLang="en-US" smtClean="0"/>
-              <a:t>19</a:t>
+              <a:t>21</a:t>
             </a:fld>
             <a:endParaRPr kumimoji="1" lang="ja-JP" altLang="en-US"/>
           </a:p>
@@ -15395,892 +17818,7 @@
 </p:sld>
 </file>
 
-<file path=ppt/slides/slide2.xml><?xml version="1.0" encoding="utf-8"?>
-<p:sld xmlns:a="http://schemas.openxmlformats.org/drawingml/2006/main" xmlns:r="http://schemas.openxmlformats.org/officeDocument/2006/relationships" xmlns:p="http://schemas.openxmlformats.org/presentationml/2006/main">
-  <p:cSld>
-    <p:spTree>
-      <p:nvGrpSpPr>
-        <p:cNvPr id="1" name=""/>
-        <p:cNvGrpSpPr/>
-        <p:nvPr/>
-      </p:nvGrpSpPr>
-      <p:grpSpPr>
-        <a:xfrm>
-          <a:off x="0" y="0"/>
-          <a:ext cx="0" cy="0"/>
-          <a:chOff x="0" y="0"/>
-          <a:chExt cx="0" cy="0"/>
-        </a:xfrm>
-      </p:grpSpPr>
-      <p:sp>
-        <p:nvSpPr>
-          <p:cNvPr id="3" name="正方形/長方形 2">
-            <a:extLst>
-              <a:ext uri="{FF2B5EF4-FFF2-40B4-BE49-F238E27FC236}">
-                <a16:creationId xmlns:a16="http://schemas.microsoft.com/office/drawing/2014/main" id="{7EE4FE83-645C-495D-BDEB-4DAF1EB1BCC8}"/>
-              </a:ext>
-            </a:extLst>
-          </p:cNvPr>
-          <p:cNvSpPr/>
-          <p:nvPr/>
-        </p:nvSpPr>
-        <p:spPr>
-          <a:xfrm>
-            <a:off x="389744" y="1697126"/>
-            <a:ext cx="8169640" cy="2878112"/>
-          </a:xfrm>
-          <a:prstGeom prst="rect">
-            <a:avLst/>
-          </a:prstGeom>
-          <a:solidFill>
-            <a:schemeClr val="bg1">
-              <a:lumMod val="95000"/>
-            </a:schemeClr>
-          </a:solidFill>
-          <a:ln w="6350">
-            <a:noFill/>
-          </a:ln>
-        </p:spPr>
-        <p:style>
-          <a:lnRef idx="2">
-            <a:schemeClr val="accent1">
-              <a:shade val="50000"/>
-            </a:schemeClr>
-          </a:lnRef>
-          <a:fillRef idx="1">
-            <a:schemeClr val="accent1"/>
-          </a:fillRef>
-          <a:effectRef idx="0">
-            <a:schemeClr val="accent1"/>
-          </a:effectRef>
-          <a:fontRef idx="minor">
-            <a:schemeClr val="lt1"/>
-          </a:fontRef>
-        </p:style>
-        <p:txBody>
-          <a:bodyPr rtlCol="0" anchor="ctr"/>
-          <a:lstStyle/>
-          <a:p>
-            <a:pPr algn="ctr"/>
-            <a:endParaRPr kumimoji="1" lang="ja-JP" altLang="en-US"/>
-          </a:p>
-        </p:txBody>
-      </p:sp>
-      <p:sp>
-        <p:nvSpPr>
-          <p:cNvPr id="6" name="タイトル 5">
-            <a:extLst>
-              <a:ext uri="{FF2B5EF4-FFF2-40B4-BE49-F238E27FC236}">
-                <a16:creationId xmlns:a16="http://schemas.microsoft.com/office/drawing/2014/main" id="{6E24A800-C60F-4CD5-B0D8-E8545F3A9259}"/>
-              </a:ext>
-            </a:extLst>
-          </p:cNvPr>
-          <p:cNvSpPr>
-            <a:spLocks noGrp="1"/>
-          </p:cNvSpPr>
-          <p:nvPr>
-            <p:ph type="title"/>
-          </p:nvPr>
-        </p:nvSpPr>
-        <p:spPr/>
-        <p:txBody>
-          <a:bodyPr/>
-          <a:lstStyle/>
-          <a:p>
-            <a:endParaRPr lang="ja-JP" altLang="en-US"/>
-          </a:p>
-        </p:txBody>
-      </p:sp>
-      <p:sp>
-        <p:nvSpPr>
-          <p:cNvPr id="11" name="テキスト ボックス 10">
-            <a:extLst>
-              <a:ext uri="{FF2B5EF4-FFF2-40B4-BE49-F238E27FC236}">
-                <a16:creationId xmlns:a16="http://schemas.microsoft.com/office/drawing/2014/main" id="{4C8E5ACB-B75A-4CD3-BB41-43EE8BECC1F5}"/>
-              </a:ext>
-            </a:extLst>
-          </p:cNvPr>
-          <p:cNvSpPr txBox="1"/>
-          <p:nvPr/>
-        </p:nvSpPr>
-        <p:spPr>
-          <a:xfrm>
-            <a:off x="480174" y="1812154"/>
-            <a:ext cx="8183651" cy="2677656"/>
-          </a:xfrm>
-          <a:prstGeom prst="rect">
-            <a:avLst/>
-          </a:prstGeom>
-          <a:noFill/>
-          <a:ln>
-            <a:noFill/>
-          </a:ln>
-        </p:spPr>
-        <p:txBody>
-          <a:bodyPr wrap="none" rtlCol="0">
-            <a:spAutoFit/>
-          </a:bodyPr>
-          <a:lstStyle/>
-          <a:p>
-            <a:r>
-              <a:rPr kumimoji="1" lang="en-US" altLang="ja-JP" sz="1400">
-                <a:solidFill>
-                  <a:srgbClr val="00B050"/>
-                </a:solidFill>
-                <a:latin typeface="Consolas" panose="020B0609020204030204" pitchFamily="49" charset="0"/>
-                <a:ea typeface="ＭＳ ゴシック" panose="020B0609070205080204" pitchFamily="49" charset="-128"/>
-              </a:rPr>
-              <a:t>void</a:t>
-            </a:r>
-            <a:r>
-              <a:rPr kumimoji="1" lang="en-US" altLang="ja-JP" sz="1400">
-                <a:latin typeface="Consolas" panose="020B0609020204030204" pitchFamily="49" charset="0"/>
-                <a:ea typeface="ＭＳ ゴシック" panose="020B0609070205080204" pitchFamily="49" charset="-128"/>
-              </a:rPr>
-              <a:t> </a:t>
-            </a:r>
-            <a:r>
-              <a:rPr kumimoji="1" lang="en-US" altLang="ja-JP" sz="1400">
-                <a:solidFill>
-                  <a:srgbClr val="0070C0"/>
-                </a:solidFill>
-                <a:latin typeface="Consolas" panose="020B0609020204030204" pitchFamily="49" charset="0"/>
-                <a:ea typeface="ＭＳ ゴシック" panose="020B0609070205080204" pitchFamily="49" charset="-128"/>
-              </a:rPr>
-              <a:t>setup</a:t>
-            </a:r>
-            <a:r>
-              <a:rPr kumimoji="1" lang="en-US" altLang="ja-JP" sz="1400">
-                <a:latin typeface="Consolas" panose="020B0609020204030204" pitchFamily="49" charset="0"/>
-                <a:ea typeface="ＭＳ ゴシック" panose="020B0609070205080204" pitchFamily="49" charset="-128"/>
-              </a:rPr>
-              <a:t>()</a:t>
-            </a:r>
-          </a:p>
-          <a:p>
-            <a:r>
-              <a:rPr kumimoji="1" lang="en-US" altLang="ja-JP" sz="1400">
-                <a:latin typeface="Consolas" panose="020B0609020204030204" pitchFamily="49" charset="0"/>
-                <a:ea typeface="ＭＳ ゴシック" panose="020B0609070205080204" pitchFamily="49" charset="-128"/>
-              </a:rPr>
-              <a:t>{</a:t>
-            </a:r>
-          </a:p>
-          <a:p>
-            <a:r>
-              <a:rPr kumimoji="1" lang="en-US" altLang="ja-JP" sz="1400">
-                <a:latin typeface="Consolas" panose="020B0609020204030204" pitchFamily="49" charset="0"/>
-                <a:ea typeface="ＭＳ ゴシック" panose="020B0609070205080204" pitchFamily="49" charset="-128"/>
-              </a:rPr>
-              <a:t>    recursiveFunc(5);</a:t>
-            </a:r>
-          </a:p>
-          <a:p>
-            <a:r>
-              <a:rPr kumimoji="1" lang="en-US" altLang="ja-JP" sz="1400">
-                <a:latin typeface="Consolas" panose="020B0609020204030204" pitchFamily="49" charset="0"/>
-                <a:ea typeface="ＭＳ ゴシック" panose="020B0609070205080204" pitchFamily="49" charset="-128"/>
-              </a:rPr>
-              <a:t>}</a:t>
-            </a:r>
-          </a:p>
-          <a:p>
-            <a:r>
-              <a:rPr kumimoji="1" lang="en-US" altLang="ja-JP" sz="1400">
-                <a:solidFill>
-                  <a:schemeClr val="tx1">
-                    <a:lumMod val="50000"/>
-                    <a:lumOff val="50000"/>
-                  </a:schemeClr>
-                </a:solidFill>
-                <a:latin typeface="Consolas" panose="020B0609020204030204" pitchFamily="49" charset="0"/>
-                <a:ea typeface="ＭＳ ゴシック" panose="020B0609070205080204" pitchFamily="49" charset="-128"/>
-              </a:rPr>
-              <a:t>/** </a:t>
-            </a:r>
-            <a:r>
-              <a:rPr kumimoji="1" lang="ja-JP" altLang="en-US" sz="1400">
-                <a:solidFill>
-                  <a:schemeClr val="tx1">
-                    <a:lumMod val="50000"/>
-                    <a:lumOff val="50000"/>
-                  </a:schemeClr>
-                </a:solidFill>
-                <a:latin typeface="Consolas" panose="020B0609020204030204" pitchFamily="49" charset="0"/>
-                <a:ea typeface="ＭＳ ゴシック" panose="020B0609070205080204" pitchFamily="49" charset="-128"/>
-              </a:rPr>
-              <a:t>関数</a:t>
-            </a:r>
-            <a:r>
-              <a:rPr kumimoji="1" lang="en-US" altLang="ja-JP" sz="1400">
-                <a:solidFill>
-                  <a:schemeClr val="tx1">
-                    <a:lumMod val="50000"/>
-                    <a:lumOff val="50000"/>
-                  </a:schemeClr>
-                </a:solidFill>
-                <a:latin typeface="Consolas" panose="020B0609020204030204" pitchFamily="49" charset="0"/>
-                <a:ea typeface="ＭＳ ゴシック" panose="020B0609070205080204" pitchFamily="49" charset="-128"/>
-              </a:rPr>
-              <a:t>recursiveFunc</a:t>
-            </a:r>
-            <a:r>
-              <a:rPr kumimoji="1" lang="ja-JP" altLang="en-US" sz="1400">
-                <a:solidFill>
-                  <a:schemeClr val="tx1">
-                    <a:lumMod val="50000"/>
-                    <a:lumOff val="50000"/>
-                  </a:schemeClr>
-                </a:solidFill>
-                <a:latin typeface="Consolas" panose="020B0609020204030204" pitchFamily="49" charset="0"/>
-                <a:ea typeface="ＭＳ ゴシック" panose="020B0609070205080204" pitchFamily="49" charset="-128"/>
-              </a:rPr>
-              <a:t>の定義 </a:t>
-            </a:r>
-            <a:r>
-              <a:rPr kumimoji="1" lang="en-US" altLang="ja-JP" sz="1400">
-                <a:solidFill>
-                  <a:schemeClr val="tx1">
-                    <a:lumMod val="50000"/>
-                    <a:lumOff val="50000"/>
-                  </a:schemeClr>
-                </a:solidFill>
-                <a:latin typeface="Consolas" panose="020B0609020204030204" pitchFamily="49" charset="0"/>
-                <a:ea typeface="ＭＳ ゴシック" panose="020B0609070205080204" pitchFamily="49" charset="-128"/>
-              </a:rPr>
-              <a:t>*/</a:t>
-            </a:r>
-          </a:p>
-          <a:p>
-            <a:r>
-              <a:rPr kumimoji="1" lang="en-US" altLang="ja-JP" sz="1400">
-                <a:solidFill>
-                  <a:srgbClr val="00B050"/>
-                </a:solidFill>
-                <a:latin typeface="Consolas" panose="020B0609020204030204" pitchFamily="49" charset="0"/>
-                <a:ea typeface="ＭＳ ゴシック" panose="020B0609070205080204" pitchFamily="49" charset="-128"/>
-              </a:rPr>
-              <a:t>void</a:t>
-            </a:r>
-            <a:r>
-              <a:rPr kumimoji="1" lang="en-US" altLang="ja-JP" sz="1400">
-                <a:latin typeface="Consolas" panose="020B0609020204030204" pitchFamily="49" charset="0"/>
-                <a:ea typeface="ＭＳ ゴシック" panose="020B0609070205080204" pitchFamily="49" charset="-128"/>
-              </a:rPr>
-              <a:t> recursiveFunc(</a:t>
-            </a:r>
-            <a:r>
-              <a:rPr kumimoji="1" lang="en-US" altLang="ja-JP" sz="1400">
-                <a:solidFill>
-                  <a:srgbClr val="FF9900"/>
-                </a:solidFill>
-                <a:latin typeface="Consolas" panose="020B0609020204030204" pitchFamily="49" charset="0"/>
-                <a:ea typeface="ＭＳ ゴシック" panose="020B0609070205080204" pitchFamily="49" charset="-128"/>
-              </a:rPr>
-              <a:t>int</a:t>
-            </a:r>
-            <a:r>
-              <a:rPr kumimoji="1" lang="en-US" altLang="ja-JP" sz="1400">
-                <a:latin typeface="Consolas" panose="020B0609020204030204" pitchFamily="49" charset="0"/>
-                <a:ea typeface="ＭＳ ゴシック" panose="020B0609070205080204" pitchFamily="49" charset="-128"/>
-              </a:rPr>
-              <a:t> iLevel)</a:t>
-            </a:r>
-            <a:endParaRPr kumimoji="1" lang="ja-JP" altLang="en-US" sz="1400">
-              <a:latin typeface="Consolas" panose="020B0609020204030204" pitchFamily="49" charset="0"/>
-              <a:ea typeface="ＭＳ ゴシック" panose="020B0609070205080204" pitchFamily="49" charset="-128"/>
-            </a:endParaRPr>
-          </a:p>
-          <a:p>
-            <a:r>
-              <a:rPr kumimoji="1" lang="en-US" altLang="ja-JP" sz="1400">
-                <a:latin typeface="Consolas" panose="020B0609020204030204" pitchFamily="49" charset="0"/>
-                <a:ea typeface="ＭＳ ゴシック" panose="020B0609070205080204" pitchFamily="49" charset="-128"/>
-              </a:rPr>
-              <a:t>{</a:t>
-            </a:r>
-          </a:p>
-          <a:p>
-            <a:r>
-              <a:rPr kumimoji="1" lang="en-US" altLang="ja-JP" sz="1400">
-                <a:latin typeface="Consolas" panose="020B0609020204030204" pitchFamily="49" charset="0"/>
-                <a:ea typeface="ＭＳ ゴシック" panose="020B0609070205080204" pitchFamily="49" charset="-128"/>
-              </a:rPr>
-              <a:t>    </a:t>
-            </a:r>
-            <a:r>
-              <a:rPr kumimoji="1" lang="en-US" altLang="ja-JP" sz="1400">
-                <a:solidFill>
-                  <a:srgbClr val="92D050"/>
-                </a:solidFill>
-                <a:latin typeface="Consolas" panose="020B0609020204030204" pitchFamily="49" charset="0"/>
-                <a:ea typeface="ＭＳ ゴシック" panose="020B0609070205080204" pitchFamily="49" charset="-128"/>
-              </a:rPr>
-              <a:t>if</a:t>
-            </a:r>
-            <a:r>
-              <a:rPr kumimoji="1" lang="en-US" altLang="ja-JP" sz="1400">
-                <a:latin typeface="Consolas" panose="020B0609020204030204" pitchFamily="49" charset="0"/>
-                <a:ea typeface="ＭＳ ゴシック" panose="020B0609070205080204" pitchFamily="49" charset="-128"/>
-              </a:rPr>
-              <a:t>( iLevel&gt;0 )  </a:t>
-            </a:r>
-            <a:r>
-              <a:rPr kumimoji="1" lang="en-US" altLang="ja-JP" sz="1400">
-                <a:solidFill>
-                  <a:schemeClr val="tx1">
-                    <a:lumMod val="50000"/>
-                    <a:lumOff val="50000"/>
-                  </a:schemeClr>
-                </a:solidFill>
-                <a:latin typeface="Consolas" panose="020B0609020204030204" pitchFamily="49" charset="0"/>
-                <a:ea typeface="ＭＳ ゴシック" panose="020B0609070205080204" pitchFamily="49" charset="-128"/>
-              </a:rPr>
-              <a:t>//</a:t>
-            </a:r>
-            <a:r>
-              <a:rPr kumimoji="1" lang="ja-JP" altLang="en-US" sz="1400">
-                <a:solidFill>
-                  <a:schemeClr val="tx1">
-                    <a:lumMod val="50000"/>
-                    <a:lumOff val="50000"/>
-                  </a:schemeClr>
-                </a:solidFill>
-                <a:latin typeface="Consolas" panose="020B0609020204030204" pitchFamily="49" charset="0"/>
-                <a:ea typeface="ＭＳ ゴシック" panose="020B0609070205080204" pitchFamily="49" charset="-128"/>
-              </a:rPr>
-              <a:t>もし</a:t>
-            </a:r>
-            <a:r>
-              <a:rPr kumimoji="1" lang="en-US" altLang="ja-JP" sz="1400">
-                <a:solidFill>
-                  <a:schemeClr val="tx1">
-                    <a:lumMod val="50000"/>
-                    <a:lumOff val="50000"/>
-                  </a:schemeClr>
-                </a:solidFill>
-                <a:latin typeface="Consolas" panose="020B0609020204030204" pitchFamily="49" charset="0"/>
-                <a:ea typeface="ＭＳ ゴシック" panose="020B0609070205080204" pitchFamily="49" charset="-128"/>
-              </a:rPr>
-              <a:t>iLevel</a:t>
-            </a:r>
-            <a:r>
-              <a:rPr kumimoji="1" lang="ja-JP" altLang="en-US" sz="1400">
-                <a:solidFill>
-                  <a:schemeClr val="tx1">
-                    <a:lumMod val="50000"/>
-                    <a:lumOff val="50000"/>
-                  </a:schemeClr>
-                </a:solidFill>
-                <a:latin typeface="Consolas" panose="020B0609020204030204" pitchFamily="49" charset="0"/>
-                <a:ea typeface="ＭＳ ゴシック" panose="020B0609070205080204" pitchFamily="49" charset="-128"/>
-              </a:rPr>
-              <a:t>の数値が</a:t>
-            </a:r>
-            <a:r>
-              <a:rPr kumimoji="1" lang="en-US" altLang="ja-JP" sz="1400">
-                <a:solidFill>
-                  <a:schemeClr val="tx1">
-                    <a:lumMod val="50000"/>
-                    <a:lumOff val="50000"/>
-                  </a:schemeClr>
-                </a:solidFill>
-                <a:latin typeface="Consolas" panose="020B0609020204030204" pitchFamily="49" charset="0"/>
-                <a:ea typeface="ＭＳ ゴシック" panose="020B0609070205080204" pitchFamily="49" charset="-128"/>
-              </a:rPr>
-              <a:t>0</a:t>
-            </a:r>
-            <a:r>
-              <a:rPr kumimoji="1" lang="ja-JP" altLang="en-US" sz="1400">
-                <a:solidFill>
-                  <a:schemeClr val="tx1">
-                    <a:lumMod val="50000"/>
-                    <a:lumOff val="50000"/>
-                  </a:schemeClr>
-                </a:solidFill>
-                <a:latin typeface="Consolas" panose="020B0609020204030204" pitchFamily="49" charset="0"/>
-                <a:ea typeface="ＭＳ ゴシック" panose="020B0609070205080204" pitchFamily="49" charset="-128"/>
-              </a:rPr>
-              <a:t>より大きければ</a:t>
-            </a:r>
-            <a:endParaRPr kumimoji="1" lang="en-US" altLang="ja-JP" sz="1400">
-              <a:solidFill>
-                <a:schemeClr val="tx1">
-                  <a:lumMod val="50000"/>
-                  <a:lumOff val="50000"/>
-                </a:schemeClr>
-              </a:solidFill>
-              <a:latin typeface="Consolas" panose="020B0609020204030204" pitchFamily="49" charset="0"/>
-              <a:ea typeface="ＭＳ ゴシック" panose="020B0609070205080204" pitchFamily="49" charset="-128"/>
-            </a:endParaRPr>
-          </a:p>
-          <a:p>
-            <a:r>
-              <a:rPr kumimoji="1" lang="en-US" altLang="ja-JP" sz="1400">
-                <a:latin typeface="Consolas" panose="020B0609020204030204" pitchFamily="49" charset="0"/>
-                <a:ea typeface="ＭＳ ゴシック" panose="020B0609070205080204" pitchFamily="49" charset="-128"/>
-              </a:rPr>
-              <a:t>    {</a:t>
-            </a:r>
-          </a:p>
-          <a:p>
-            <a:r>
-              <a:rPr lang="en-US" altLang="ja-JP" sz="1400">
-                <a:latin typeface="Consolas" panose="020B0609020204030204" pitchFamily="49" charset="0"/>
-                <a:ea typeface="ＭＳ ゴシック" panose="020B0609070205080204" pitchFamily="49" charset="-128"/>
-              </a:rPr>
-              <a:t>        </a:t>
-            </a:r>
-            <a:r>
-              <a:rPr kumimoji="1" lang="en-US" altLang="ja-JP" sz="1400">
-                <a:latin typeface="Consolas" panose="020B0609020204030204" pitchFamily="49" charset="0"/>
-                <a:ea typeface="ＭＳ ゴシック" panose="020B0609070205080204" pitchFamily="49" charset="-128"/>
-              </a:rPr>
-              <a:t>recursiveFunc(iLevel-1);  </a:t>
-            </a:r>
-            <a:r>
-              <a:rPr kumimoji="1" lang="en-US" altLang="ja-JP" sz="1400">
-                <a:solidFill>
-                  <a:schemeClr val="tx1">
-                    <a:lumMod val="50000"/>
-                    <a:lumOff val="50000"/>
-                  </a:schemeClr>
-                </a:solidFill>
-                <a:latin typeface="Consolas" panose="020B0609020204030204" pitchFamily="49" charset="0"/>
-                <a:ea typeface="ＭＳ ゴシック" panose="020B0609070205080204" pitchFamily="49" charset="-128"/>
-              </a:rPr>
-              <a:t>//</a:t>
-            </a:r>
-            <a:r>
-              <a:rPr kumimoji="1" lang="ja-JP" altLang="en-US" sz="1400">
-                <a:solidFill>
-                  <a:schemeClr val="tx1">
-                    <a:lumMod val="50000"/>
-                    <a:lumOff val="50000"/>
-                  </a:schemeClr>
-                </a:solidFill>
-                <a:latin typeface="Consolas" panose="020B0609020204030204" pitchFamily="49" charset="0"/>
-                <a:ea typeface="ＭＳ ゴシック" panose="020B0609070205080204" pitchFamily="49" charset="-128"/>
-              </a:rPr>
-              <a:t>関数</a:t>
-            </a:r>
-            <a:r>
-              <a:rPr kumimoji="1" lang="en-US" altLang="ja-JP" sz="1400">
-                <a:solidFill>
-                  <a:schemeClr val="tx1">
-                    <a:lumMod val="50000"/>
-                    <a:lumOff val="50000"/>
-                  </a:schemeClr>
-                </a:solidFill>
-                <a:latin typeface="Consolas" panose="020B0609020204030204" pitchFamily="49" charset="0"/>
-                <a:ea typeface="ＭＳ ゴシック" panose="020B0609070205080204" pitchFamily="49" charset="-128"/>
-              </a:rPr>
-              <a:t>recursiveFunc</a:t>
-            </a:r>
-            <a:r>
-              <a:rPr kumimoji="1" lang="ja-JP" altLang="en-US" sz="1400">
-                <a:solidFill>
-                  <a:schemeClr val="tx1">
-                    <a:lumMod val="50000"/>
-                    <a:lumOff val="50000"/>
-                  </a:schemeClr>
-                </a:solidFill>
-                <a:latin typeface="Consolas" panose="020B0609020204030204" pitchFamily="49" charset="0"/>
-                <a:ea typeface="ＭＳ ゴシック" panose="020B0609070205080204" pitchFamily="49" charset="-128"/>
-              </a:rPr>
-              <a:t>の再帰呼び出し（引数</a:t>
-            </a:r>
-            <a:r>
-              <a:rPr kumimoji="1" lang="en-US" altLang="ja-JP" sz="1400">
-                <a:solidFill>
-                  <a:schemeClr val="tx1">
-                    <a:lumMod val="50000"/>
-                    <a:lumOff val="50000"/>
-                  </a:schemeClr>
-                </a:solidFill>
-                <a:latin typeface="Consolas" panose="020B0609020204030204" pitchFamily="49" charset="0"/>
-                <a:ea typeface="ＭＳ ゴシック" panose="020B0609070205080204" pitchFamily="49" charset="-128"/>
-              </a:rPr>
-              <a:t>iLevel-1</a:t>
-            </a:r>
-            <a:r>
-              <a:rPr kumimoji="1" lang="ja-JP" altLang="en-US" sz="1400">
-                <a:solidFill>
-                  <a:schemeClr val="tx1">
-                    <a:lumMod val="50000"/>
-                    <a:lumOff val="50000"/>
-                  </a:schemeClr>
-                </a:solidFill>
-                <a:latin typeface="Consolas" panose="020B0609020204030204" pitchFamily="49" charset="0"/>
-                <a:ea typeface="ＭＳ ゴシック" panose="020B0609070205080204" pitchFamily="49" charset="-128"/>
-              </a:rPr>
-              <a:t>）</a:t>
-            </a:r>
-          </a:p>
-          <a:p>
-            <a:r>
-              <a:rPr kumimoji="1" lang="en-US" altLang="ja-JP" sz="1400">
-                <a:latin typeface="Consolas" panose="020B0609020204030204" pitchFamily="49" charset="0"/>
-                <a:ea typeface="ＭＳ ゴシック" panose="020B0609070205080204" pitchFamily="49" charset="-128"/>
-              </a:rPr>
-              <a:t>    }</a:t>
-            </a:r>
-          </a:p>
-          <a:p>
-            <a:r>
-              <a:rPr kumimoji="1" lang="en-US" altLang="ja-JP" sz="1400">
-                <a:latin typeface="Consolas" panose="020B0609020204030204" pitchFamily="49" charset="0"/>
-                <a:ea typeface="ＭＳ ゴシック" panose="020B0609070205080204" pitchFamily="49" charset="-128"/>
-              </a:rPr>
-              <a:t>}</a:t>
-            </a:r>
-            <a:endParaRPr kumimoji="1" lang="ja-JP" altLang="en-US" sz="1400">
-              <a:latin typeface="Consolas" panose="020B0609020204030204" pitchFamily="49" charset="0"/>
-              <a:ea typeface="ＭＳ ゴシック" panose="020B0609070205080204" pitchFamily="49" charset="-128"/>
-            </a:endParaRPr>
-          </a:p>
-        </p:txBody>
-      </p:sp>
-      <p:cxnSp>
-        <p:nvCxnSpPr>
-          <p:cNvPr id="26" name="直線コネクタ 25">
-            <a:extLst>
-              <a:ext uri="{FF2B5EF4-FFF2-40B4-BE49-F238E27FC236}">
-                <a16:creationId xmlns:a16="http://schemas.microsoft.com/office/drawing/2014/main" id="{69542947-865E-4592-AC0E-2152378AB8DB}"/>
-              </a:ext>
-            </a:extLst>
-          </p:cNvPr>
-          <p:cNvCxnSpPr>
-            <a:cxnSpLocks/>
-          </p:cNvCxnSpPr>
-          <p:nvPr/>
-        </p:nvCxnSpPr>
-        <p:spPr>
-          <a:xfrm>
-            <a:off x="963812" y="3576371"/>
-            <a:ext cx="1359663" cy="0"/>
-          </a:xfrm>
-          <a:prstGeom prst="line">
-            <a:avLst/>
-          </a:prstGeom>
-          <a:ln w="12700">
-            <a:solidFill>
-              <a:srgbClr val="FF0000"/>
-            </a:solidFill>
-          </a:ln>
-        </p:spPr>
-        <p:style>
-          <a:lnRef idx="1">
-            <a:schemeClr val="accent1"/>
-          </a:lnRef>
-          <a:fillRef idx="0">
-            <a:schemeClr val="accent1"/>
-          </a:fillRef>
-          <a:effectRef idx="0">
-            <a:schemeClr val="accent1"/>
-          </a:effectRef>
-          <a:fontRef idx="minor">
-            <a:schemeClr val="tx1"/>
-          </a:fontRef>
-        </p:style>
-      </p:cxnSp>
-      <p:cxnSp>
-        <p:nvCxnSpPr>
-          <p:cNvPr id="37" name="直線矢印コネクタ 36">
-            <a:extLst>
-              <a:ext uri="{FF2B5EF4-FFF2-40B4-BE49-F238E27FC236}">
-                <a16:creationId xmlns:a16="http://schemas.microsoft.com/office/drawing/2014/main" id="{B66A546B-6096-4F86-AFC5-5BD81899B958}"/>
-              </a:ext>
-            </a:extLst>
-          </p:cNvPr>
-          <p:cNvCxnSpPr>
-            <a:cxnSpLocks/>
-          </p:cNvCxnSpPr>
-          <p:nvPr/>
-        </p:nvCxnSpPr>
-        <p:spPr>
-          <a:xfrm>
-            <a:off x="920244" y="3334036"/>
-            <a:ext cx="0" cy="259346"/>
-          </a:xfrm>
-          <a:prstGeom prst="straightConnector1">
-            <a:avLst/>
-          </a:prstGeom>
-          <a:ln w="9525">
-            <a:solidFill>
-              <a:srgbClr val="FF0000"/>
-            </a:solidFill>
-            <a:tailEnd type="triangle"/>
-          </a:ln>
-        </p:spPr>
-        <p:style>
-          <a:lnRef idx="1">
-            <a:schemeClr val="accent1"/>
-          </a:lnRef>
-          <a:fillRef idx="0">
-            <a:schemeClr val="accent1"/>
-          </a:fillRef>
-          <a:effectRef idx="0">
-            <a:schemeClr val="accent1"/>
-          </a:effectRef>
-          <a:fontRef idx="minor">
-            <a:schemeClr val="tx1"/>
-          </a:fontRef>
-        </p:style>
-      </p:cxnSp>
-      <p:sp>
-        <p:nvSpPr>
-          <p:cNvPr id="38" name="テキスト ボックス 37">
-            <a:extLst>
-              <a:ext uri="{FF2B5EF4-FFF2-40B4-BE49-F238E27FC236}">
-                <a16:creationId xmlns:a16="http://schemas.microsoft.com/office/drawing/2014/main" id="{B1A4842B-2AC3-4E79-8B55-16EA74846507}"/>
-              </a:ext>
-            </a:extLst>
-          </p:cNvPr>
-          <p:cNvSpPr txBox="1"/>
-          <p:nvPr/>
-        </p:nvSpPr>
-        <p:spPr>
-          <a:xfrm>
-            <a:off x="1112977" y="3106202"/>
-            <a:ext cx="3291286" cy="307777"/>
-          </a:xfrm>
-          <a:prstGeom prst="rect">
-            <a:avLst/>
-          </a:prstGeom>
-          <a:noFill/>
-        </p:spPr>
-        <p:txBody>
-          <a:bodyPr wrap="none" rtlCol="0">
-            <a:spAutoFit/>
-          </a:bodyPr>
-          <a:lstStyle/>
-          <a:p>
-            <a:r>
-              <a:rPr lang="en-US" altLang="ja-JP" sz="1400" u="sng">
-                <a:solidFill>
-                  <a:srgbClr val="FF0000"/>
-                </a:solidFill>
-                <a:latin typeface="Consolas" panose="020B0609020204030204" pitchFamily="49" charset="0"/>
-              </a:rPr>
-              <a:t>2.iLevel</a:t>
-            </a:r>
-            <a:r>
-              <a:rPr lang="ja-JP" altLang="en-US" sz="1400" u="sng">
-                <a:solidFill>
-                  <a:srgbClr val="FF0000"/>
-                </a:solidFill>
-                <a:latin typeface="Consolas" panose="020B0609020204030204" pitchFamily="49" charset="0"/>
-              </a:rPr>
-              <a:t>の数値が</a:t>
-            </a:r>
-            <a:r>
-              <a:rPr lang="en-US" altLang="ja-JP" sz="1400" u="sng">
-                <a:solidFill>
-                  <a:srgbClr val="FF0000"/>
-                </a:solidFill>
-                <a:latin typeface="Consolas" panose="020B0609020204030204" pitchFamily="49" charset="0"/>
-              </a:rPr>
-              <a:t>5</a:t>
-            </a:r>
-            <a:r>
-              <a:rPr lang="ja-JP" altLang="en-US" sz="1400" u="sng">
-                <a:solidFill>
-                  <a:srgbClr val="FF0000"/>
-                </a:solidFill>
-                <a:latin typeface="Consolas" panose="020B0609020204030204" pitchFamily="49" charset="0"/>
-              </a:rPr>
-              <a:t>なので，真</a:t>
-            </a:r>
-            <a:r>
-              <a:rPr lang="en-US" altLang="ja-JP" sz="1400" u="sng">
-                <a:solidFill>
-                  <a:srgbClr val="FF0000"/>
-                </a:solidFill>
-                <a:latin typeface="Consolas" panose="020B0609020204030204" pitchFamily="49" charset="0"/>
-              </a:rPr>
-              <a:t>(True)</a:t>
-            </a:r>
-            <a:endParaRPr kumimoji="1" lang="ja-JP" altLang="en-US" sz="1400" u="sng">
-              <a:solidFill>
-                <a:srgbClr val="FF0000"/>
-              </a:solidFill>
-              <a:latin typeface="Consolas" panose="020B0609020204030204" pitchFamily="49" charset="0"/>
-            </a:endParaRPr>
-          </a:p>
-        </p:txBody>
-      </p:sp>
-      <p:sp>
-        <p:nvSpPr>
-          <p:cNvPr id="21" name="正方形/長方形 20">
-            <a:extLst>
-              <a:ext uri="{FF2B5EF4-FFF2-40B4-BE49-F238E27FC236}">
-                <a16:creationId xmlns:a16="http://schemas.microsoft.com/office/drawing/2014/main" id="{473EADC8-7E9B-4404-8ACD-311668664193}"/>
-              </a:ext>
-            </a:extLst>
-          </p:cNvPr>
-          <p:cNvSpPr/>
-          <p:nvPr/>
-        </p:nvSpPr>
-        <p:spPr>
-          <a:xfrm>
-            <a:off x="280016" y="1565451"/>
-            <a:ext cx="8364512" cy="4952391"/>
-          </a:xfrm>
-          <a:prstGeom prst="rect">
-            <a:avLst/>
-          </a:prstGeom>
-          <a:noFill/>
-          <a:ln w="6350">
-            <a:solidFill>
-              <a:schemeClr val="tx1"/>
-            </a:solidFill>
-          </a:ln>
-        </p:spPr>
-        <p:style>
-          <a:lnRef idx="2">
-            <a:schemeClr val="accent1">
-              <a:shade val="50000"/>
-            </a:schemeClr>
-          </a:lnRef>
-          <a:fillRef idx="1">
-            <a:schemeClr val="accent1"/>
-          </a:fillRef>
-          <a:effectRef idx="0">
-            <a:schemeClr val="accent1"/>
-          </a:effectRef>
-          <a:fontRef idx="minor">
-            <a:schemeClr val="lt1"/>
-          </a:fontRef>
-        </p:style>
-        <p:txBody>
-          <a:bodyPr rtlCol="0" anchor="ctr"/>
-          <a:lstStyle/>
-          <a:p>
-            <a:pPr algn="ctr"/>
-            <a:endParaRPr kumimoji="1" lang="ja-JP" altLang="en-US"/>
-          </a:p>
-        </p:txBody>
-      </p:sp>
-      <p:sp>
-        <p:nvSpPr>
-          <p:cNvPr id="22" name="テキスト ボックス 21">
-            <a:extLst>
-              <a:ext uri="{FF2B5EF4-FFF2-40B4-BE49-F238E27FC236}">
-                <a16:creationId xmlns:a16="http://schemas.microsoft.com/office/drawing/2014/main" id="{98B3D3EE-4928-4666-A014-C416428403A4}"/>
-              </a:ext>
-            </a:extLst>
-          </p:cNvPr>
-          <p:cNvSpPr txBox="1"/>
-          <p:nvPr/>
-        </p:nvSpPr>
-        <p:spPr>
-          <a:xfrm>
-            <a:off x="328858" y="4686387"/>
-            <a:ext cx="1441420" cy="307777"/>
-          </a:xfrm>
-          <a:prstGeom prst="rect">
-            <a:avLst/>
-          </a:prstGeom>
-          <a:noFill/>
-        </p:spPr>
-        <p:txBody>
-          <a:bodyPr wrap="none" rtlCol="0">
-            <a:spAutoFit/>
-          </a:bodyPr>
-          <a:lstStyle/>
-          <a:p>
-            <a:r>
-              <a:rPr kumimoji="1" lang="ja-JP" altLang="en-US" sz="1400"/>
-              <a:t>コールスタック</a:t>
-            </a:r>
-          </a:p>
-        </p:txBody>
-      </p:sp>
-      <p:sp>
-        <p:nvSpPr>
-          <p:cNvPr id="23" name="正方形/長方形 22">
-            <a:extLst>
-              <a:ext uri="{FF2B5EF4-FFF2-40B4-BE49-F238E27FC236}">
-                <a16:creationId xmlns:a16="http://schemas.microsoft.com/office/drawing/2014/main" id="{3C3553E5-960B-4ABF-8055-3ED0C2C29D70}"/>
-              </a:ext>
-            </a:extLst>
-          </p:cNvPr>
-          <p:cNvSpPr/>
-          <p:nvPr/>
-        </p:nvSpPr>
-        <p:spPr>
-          <a:xfrm>
-            <a:off x="874214" y="5023424"/>
-            <a:ext cx="1380534" cy="179215"/>
-          </a:xfrm>
-          <a:prstGeom prst="rect">
-            <a:avLst/>
-          </a:prstGeom>
-          <a:solidFill>
-            <a:schemeClr val="bg1">
-              <a:lumMod val="95000"/>
-            </a:schemeClr>
-          </a:solidFill>
-          <a:ln w="6350">
-            <a:solidFill>
-              <a:schemeClr val="tx1"/>
-            </a:solidFill>
-          </a:ln>
-        </p:spPr>
-        <p:style>
-          <a:lnRef idx="2">
-            <a:schemeClr val="accent1">
-              <a:shade val="50000"/>
-            </a:schemeClr>
-          </a:lnRef>
-          <a:fillRef idx="1">
-            <a:schemeClr val="accent1"/>
-          </a:fillRef>
-          <a:effectRef idx="0">
-            <a:schemeClr val="accent1"/>
-          </a:effectRef>
-          <a:fontRef idx="minor">
-            <a:schemeClr val="lt1"/>
-          </a:fontRef>
-        </p:style>
-        <p:txBody>
-          <a:bodyPr rtlCol="0" anchor="ctr"/>
-          <a:lstStyle/>
-          <a:p>
-            <a:pPr algn="ctr"/>
-            <a:r>
-              <a:rPr kumimoji="1" lang="en-US" altLang="ja-JP" sz="1000">
-                <a:solidFill>
-                  <a:schemeClr val="tx1"/>
-                </a:solidFill>
-                <a:latin typeface="Consolas" panose="020B0609020204030204" pitchFamily="49" charset="0"/>
-                <a:ea typeface="ＭＳ ゴシック" panose="020B0609070205080204" pitchFamily="49" charset="-128"/>
-              </a:rPr>
-              <a:t>recursiveFunc(5)</a:t>
-            </a:r>
-            <a:endParaRPr kumimoji="1" lang="ja-JP" altLang="en-US" sz="1000">
-              <a:solidFill>
-                <a:schemeClr val="tx1"/>
-              </a:solidFill>
-            </a:endParaRPr>
-          </a:p>
-        </p:txBody>
-      </p:sp>
-    </p:spTree>
-    <p:extLst>
-      <p:ext uri="{BB962C8B-B14F-4D97-AF65-F5344CB8AC3E}">
-        <p14:creationId xmlns:p14="http://schemas.microsoft.com/office/powerpoint/2010/main" val="2370291441"/>
-      </p:ext>
-    </p:extLst>
-  </p:cSld>
-  <p:clrMapOvr>
-    <a:masterClrMapping/>
-  </p:clrMapOvr>
-</p:sld>
-</file>
-
-<file path=ppt/slides/slide20.xml><?xml version="1.0" encoding="utf-8"?>
+<file path=ppt/slides/slide22.xml><?xml version="1.0" encoding="utf-8"?>
 <p:sld xmlns:a="http://schemas.openxmlformats.org/drawingml/2006/main" xmlns:r="http://schemas.openxmlformats.org/officeDocument/2006/relationships" xmlns:p="http://schemas.openxmlformats.org/presentationml/2006/main">
   <p:cSld>
     <p:spTree>
@@ -16373,7 +17911,7 @@
           <a:p>
             <a:fld id="{54E8F7FD-0FB9-42CD-ACB3-7754F601E11E}" type="slidenum">
               <a:rPr kumimoji="1" lang="ja-JP" altLang="en-US" smtClean="0"/>
-              <a:t>20</a:t>
+              <a:t>22</a:t>
             </a:fld>
             <a:endParaRPr kumimoji="1" lang="ja-JP" altLang="en-US"/>
           </a:p>
@@ -19037,7 +20575,7 @@
 </p:sld>
 </file>
 
-<file path=ppt/slides/slide21.xml><?xml version="1.0" encoding="utf-8"?>
+<file path=ppt/slides/slide23.xml><?xml version="1.0" encoding="utf-8"?>
 <p:sld xmlns:a="http://schemas.openxmlformats.org/drawingml/2006/main" xmlns:r="http://schemas.openxmlformats.org/officeDocument/2006/relationships" xmlns:p="http://schemas.openxmlformats.org/presentationml/2006/main">
   <p:cSld>
     <p:spTree>
@@ -19130,7 +20668,7 @@
           <a:p>
             <a:fld id="{54E8F7FD-0FB9-42CD-ACB3-7754F601E11E}" type="slidenum">
               <a:rPr kumimoji="1" lang="ja-JP" altLang="en-US" smtClean="0"/>
-              <a:t>21</a:t>
+              <a:t>23</a:t>
             </a:fld>
             <a:endParaRPr kumimoji="1" lang="ja-JP" altLang="en-US"/>
           </a:p>
@@ -21479,7 +23017,7 @@
 </p:sld>
 </file>
 
-<file path=ppt/slides/slide22.xml><?xml version="1.0" encoding="utf-8"?>
+<file path=ppt/slides/slide24.xml><?xml version="1.0" encoding="utf-8"?>
 <p:sld xmlns:a="http://schemas.openxmlformats.org/drawingml/2006/main" xmlns:r="http://schemas.openxmlformats.org/officeDocument/2006/relationships" xmlns:p="http://schemas.openxmlformats.org/presentationml/2006/main">
   <p:cSld>
     <p:spTree>
@@ -21572,7 +23110,7 @@
           <a:p>
             <a:fld id="{54E8F7FD-0FB9-42CD-ACB3-7754F601E11E}" type="slidenum">
               <a:rPr kumimoji="1" lang="ja-JP" altLang="en-US" smtClean="0"/>
-              <a:t>22</a:t>
+              <a:t>24</a:t>
             </a:fld>
             <a:endParaRPr kumimoji="1" lang="ja-JP" altLang="en-US"/>
           </a:p>
